--- a/MicrobiomeWS/Microbiome_Install.pptx
+++ b/MicrobiomeWS/Microbiome_Install.pptx
@@ -3881,13 +3881,13 @@
         </p:nvSpPr>
         <p:spPr>
           <a:xfrm>
-            <a:off x="838200" y="1348970"/>
-            <a:ext cx="10515600" cy="881063"/>
+            <a:off x="838200" y="1280876"/>
+            <a:ext cx="10515600" cy="1693391"/>
           </a:xfrm>
         </p:spPr>
         <p:txBody>
           <a:bodyPr>
-            <a:normAutofit fontScale="70000" lnSpcReduction="20000"/>
+            <a:normAutofit fontScale="92500" lnSpcReduction="10000"/>
           </a:bodyPr>
           <a:lstStyle/>
           <a:p>
@@ -3904,34 +3904,42 @@
               <a:buNone/>
             </a:pPr>
             <a:r>
-              <a:rPr lang="en-GB" b="1" dirty="0" err="1"/>
+              <a:rPr lang="en-GB" sz="3400" b="1" dirty="0" err="1"/>
               <a:t>wget</a:t>
             </a:r>
             <a:r>
-              <a:rPr lang="en-GB" b="1" dirty="0"/>
+              <a:rPr lang="en-GB" sz="3400" b="1" dirty="0"/>
               <a:t> https://</a:t>
             </a:r>
             <a:r>
-              <a:rPr lang="en-GB" b="1" dirty="0" err="1"/>
+              <a:rPr lang="en-GB" sz="3400" b="1" dirty="0" err="1"/>
               <a:t>raw.githubusercontent.com</a:t>
             </a:r>
             <a:r>
-              <a:rPr lang="en-GB" b="1" dirty="0"/>
+              <a:rPr lang="en-GB" sz="3400" b="1" dirty="0"/>
               <a:t>/</a:t>
             </a:r>
             <a:r>
-              <a:rPr lang="en-GB" b="1" dirty="0" err="1"/>
+              <a:rPr lang="en-GB" sz="3400" b="1" dirty="0" err="1"/>
               <a:t>muharif</a:t>
             </a:r>
             <a:r>
-              <a:rPr lang="en-GB" b="1" dirty="0"/>
+              <a:rPr lang="en-GB" sz="3400" b="1" dirty="0"/>
               <a:t>/MicrobiomeKCL2020/master/</a:t>
             </a:r>
             <a:r>
-              <a:rPr lang="en-GB" b="1" dirty="0" err="1"/>
+              <a:rPr lang="en-GB" sz="3400" b="1" dirty="0" err="1"/>
+              <a:t>MicrobiomeWS</a:t>
+            </a:r>
+            <a:r>
+              <a:rPr lang="en-GB" sz="3400" b="1" dirty="0"/>
+              <a:t>/</a:t>
+            </a:r>
+            <a:r>
+              <a:rPr lang="en-GB" sz="3400" b="1" dirty="0" err="1"/>
               <a:t>microbiome_env.yml</a:t>
             </a:r>
-            <a:endParaRPr lang="en-GB" b="1" dirty="0"/>
+            <a:endParaRPr lang="en-GB" sz="3400" b="1" dirty="0"/>
           </a:p>
         </p:txBody>
       </p:sp>

--- a/MicrobiomeWS/Microbiome_Install.pptx
+++ b/MicrobiomeWS/Microbiome_Install.pptx
@@ -12,10 +12,12 @@
     <p:sldId id="270" r:id="rId6"/>
     <p:sldId id="271" r:id="rId7"/>
     <p:sldId id="261" r:id="rId8"/>
-    <p:sldId id="264" r:id="rId9"/>
-    <p:sldId id="265" r:id="rId10"/>
-    <p:sldId id="272" r:id="rId11"/>
-    <p:sldId id="267" r:id="rId12"/>
+    <p:sldId id="278" r:id="rId9"/>
+    <p:sldId id="279" r:id="rId10"/>
+    <p:sldId id="264" r:id="rId11"/>
+    <p:sldId id="265" r:id="rId12"/>
+    <p:sldId id="272" r:id="rId13"/>
+    <p:sldId id="267" r:id="rId14"/>
   </p:sldIdLst>
   <p:sldSz cx="12192000" cy="6858000"/>
   <p:notesSz cx="6858000" cy="9144000"/>
@@ -3432,15 +3434,15 @@
           <p:cNvPr id="2" name="Title 1">
             <a:extLst>
               <a:ext uri="{FF2B5EF4-FFF2-40B4-BE49-F238E27FC236}">
-                <a16:creationId xmlns:a16="http://schemas.microsoft.com/office/drawing/2014/main" id="{49612E68-D11E-8B4D-AA76-5BDC94462106}"/>
-              </a:ext>
-            </a:extLst>
-          </p:cNvPr>
-          <p:cNvSpPr>
-            <a:spLocks noGrp="1"/>
-          </p:cNvSpPr>
-          <p:nvPr>
-            <p:ph type="title"/>
+                <a16:creationId xmlns:a16="http://schemas.microsoft.com/office/drawing/2014/main" id="{2AC20357-0A69-FB4E-B590-ECDE99B2107B}"/>
+              </a:ext>
+            </a:extLst>
+          </p:cNvPr>
+          <p:cNvSpPr>
+            <a:spLocks noGrp="1"/>
+          </p:cNvSpPr>
+          <p:nvPr>
+            <p:ph type="ctrTitle"/>
           </p:nvPr>
         </p:nvSpPr>
         <p:spPr/>
@@ -3450,25 +3452,25 @@
           <a:p>
             <a:r>
               <a:rPr lang="en-GB" dirty="0"/>
-              <a:t>Example Command</a:t>
-            </a:r>
-          </a:p>
-        </p:txBody>
-      </p:sp>
-      <p:sp>
-        <p:nvSpPr>
-          <p:cNvPr id="3" name="Content Placeholder 2">
-            <a:extLst>
-              <a:ext uri="{FF2B5EF4-FFF2-40B4-BE49-F238E27FC236}">
-                <a16:creationId xmlns:a16="http://schemas.microsoft.com/office/drawing/2014/main" id="{CD12DA2F-BE4B-B444-8D93-35F28B8A9F4D}"/>
-              </a:ext>
-            </a:extLst>
-          </p:cNvPr>
-          <p:cNvSpPr>
-            <a:spLocks noGrp="1"/>
-          </p:cNvSpPr>
-          <p:nvPr>
-            <p:ph idx="1"/>
+              <a:t>Entering Microbiome Environment</a:t>
+            </a:r>
+          </a:p>
+        </p:txBody>
+      </p:sp>
+      <p:sp>
+        <p:nvSpPr>
+          <p:cNvPr id="3" name="Subtitle 2">
+            <a:extLst>
+              <a:ext uri="{FF2B5EF4-FFF2-40B4-BE49-F238E27FC236}">
+                <a16:creationId xmlns:a16="http://schemas.microsoft.com/office/drawing/2014/main" id="{8DF01F81-5B93-6C46-859E-11B98F7EDC2C}"/>
+              </a:ext>
+            </a:extLst>
+          </p:cNvPr>
+          <p:cNvSpPr>
+            <a:spLocks noGrp="1"/>
+          </p:cNvSpPr>
+          <p:nvPr>
+            <p:ph type="subTitle" idx="1"/>
           </p:nvPr>
         </p:nvSpPr>
         <p:spPr/>
@@ -3478,73 +3480,23 @@
           <a:p>
             <a:r>
               <a:rPr lang="en-GB" dirty="0"/>
-              <a:t>Running metaphlan2:</a:t>
-            </a:r>
-          </a:p>
-          <a:p>
-            <a:pPr marL="457200" lvl="1" indent="0">
-              <a:buNone/>
-            </a:pPr>
-            <a:r>
-              <a:rPr lang="en-GB" b="1" dirty="0"/>
-              <a:t>metaphlan2.py /path/to/file/</a:t>
-            </a:r>
-            <a:r>
-              <a:rPr lang="en-GB" b="1" dirty="0" err="1"/>
-              <a:t>filtered_wrkshpF.fastq</a:t>
-            </a:r>
-            <a:r>
-              <a:rPr lang="en-GB" b="1" dirty="0"/>
-              <a:t> --</a:t>
-            </a:r>
-            <a:r>
-              <a:rPr lang="en-GB" b="1" dirty="0" err="1"/>
-              <a:t>input_type</a:t>
-            </a:r>
-            <a:r>
-              <a:rPr lang="en-GB" b="1" dirty="0"/>
-              <a:t> </a:t>
-            </a:r>
-            <a:r>
-              <a:rPr lang="en-GB" b="1" dirty="0" err="1"/>
-              <a:t>fastq</a:t>
-            </a:r>
-            <a:r>
-              <a:rPr lang="en-GB" b="1" dirty="0"/>
-              <a:t> --</a:t>
-            </a:r>
-            <a:r>
-              <a:rPr lang="en-GB" b="1" dirty="0" err="1"/>
-              <a:t>nproc</a:t>
-            </a:r>
-            <a:r>
-              <a:rPr lang="en-GB" b="1" dirty="0"/>
-              <a:t> 16 &gt; /path/to/file/metaphlan2_filtered_wrkshpF.txt</a:t>
-            </a:r>
-          </a:p>
-          <a:p>
+              <a:t>Do this </a:t>
+            </a:r>
+            <a:r>
+              <a:rPr lang="en-GB" dirty="0" err="1"/>
+              <a:t>everytime</a:t>
+            </a:r>
             <a:r>
               <a:rPr lang="en-GB" dirty="0"/>
-              <a:t>Don’t forget to run the metaphlan2 after loading </a:t>
-            </a:r>
-            <a:r>
-              <a:rPr lang="en-GB"/>
-              <a:t>the environment (slide 9)</a:t>
-            </a:r>
-            <a:endParaRPr lang="en-GB" dirty="0"/>
-          </a:p>
-          <a:p>
-            <a:pPr marL="457200" lvl="1" indent="0">
-              <a:buNone/>
-            </a:pPr>
-            <a:endParaRPr lang="en-GB" dirty="0"/>
+              <a:t> you login to Rosalind and want to do microbiome analysis </a:t>
+            </a:r>
           </a:p>
         </p:txBody>
       </p:sp>
     </p:spTree>
     <p:extLst>
       <p:ext uri="{BB962C8B-B14F-4D97-AF65-F5344CB8AC3E}">
-        <p14:creationId xmlns:p14="http://schemas.microsoft.com/office/powerpoint/2010/main" val="2155166249"/>
+        <p14:creationId xmlns:p14="http://schemas.microsoft.com/office/powerpoint/2010/main" val="3700435794"/>
       </p:ext>
     </p:extLst>
   </p:cSld>
@@ -3576,7 +3528,7 @@
           <p:cNvPr id="2" name="Title 1">
             <a:extLst>
               <a:ext uri="{FF2B5EF4-FFF2-40B4-BE49-F238E27FC236}">
-                <a16:creationId xmlns:a16="http://schemas.microsoft.com/office/drawing/2014/main" id="{10E454AA-A4F3-E646-A930-7EAC7C3469D0}"/>
+                <a16:creationId xmlns:a16="http://schemas.microsoft.com/office/drawing/2014/main" id="{51ABC884-3E37-7443-9774-E6DAFDBA27D0}"/>
               </a:ext>
             </a:extLst>
           </p:cNvPr>
@@ -3594,126 +3546,15 @@
           <a:p>
             <a:r>
               <a:rPr lang="en-GB" dirty="0"/>
-              <a:t>In case of error </a:t>
-            </a:r>
-          </a:p>
-        </p:txBody>
-      </p:sp>
-      <p:sp>
-        <p:nvSpPr>
-          <p:cNvPr id="3" name="Content Placeholder 2">
-            <a:extLst>
-              <a:ext uri="{FF2B5EF4-FFF2-40B4-BE49-F238E27FC236}">
-                <a16:creationId xmlns:a16="http://schemas.microsoft.com/office/drawing/2014/main" id="{34C5DD1F-3308-8A4D-8DD5-64233D28381F}"/>
-              </a:ext>
-            </a:extLst>
-          </p:cNvPr>
-          <p:cNvSpPr>
-            <a:spLocks noGrp="1"/>
-          </p:cNvSpPr>
-          <p:nvPr>
-            <p:ph idx="1"/>
-          </p:nvPr>
-        </p:nvSpPr>
-        <p:spPr/>
-        <p:txBody>
-          <a:bodyPr/>
-          <a:lstStyle/>
-          <a:p>
+              <a:t>Load </a:t>
+            </a:r>
+            <a:r>
+              <a:rPr lang="en-GB" dirty="0" err="1"/>
+              <a:t>Conda</a:t>
+            </a:r>
             <a:r>
               <a:rPr lang="en-GB" dirty="0"/>
-              <a:t>If you don’t see (base) in the shell: Redo Step 3-5 from installation step</a:t>
-            </a:r>
-          </a:p>
-          <a:p>
-            <a:r>
-              <a:rPr lang="en-GB" dirty="0"/>
-              <a:t>If you get error “</a:t>
-            </a:r>
-            <a:r>
-              <a:rPr lang="en-GB" dirty="0" err="1"/>
-              <a:t>conda</a:t>
-            </a:r>
-            <a:r>
-              <a:rPr lang="en-GB" dirty="0"/>
-              <a:t> not found”: Redo step 3-5 from installation step</a:t>
-            </a:r>
-          </a:p>
-          <a:p>
-            <a:r>
-              <a:rPr lang="en-GB" dirty="0"/>
-              <a:t>If you get error “Could not find </a:t>
-            </a:r>
-            <a:r>
-              <a:rPr lang="en-GB" dirty="0" err="1"/>
-              <a:t>conda</a:t>
-            </a:r>
-            <a:r>
-              <a:rPr lang="en-GB" dirty="0"/>
-              <a:t> environment XXXX”: Redo the </a:t>
-            </a:r>
-            <a:r>
-              <a:rPr lang="en-GB"/>
-              <a:t>installation step</a:t>
-            </a:r>
-            <a:endParaRPr lang="en-GB" dirty="0"/>
-          </a:p>
-        </p:txBody>
-      </p:sp>
-    </p:spTree>
-    <p:extLst>
-      <p:ext uri="{BB962C8B-B14F-4D97-AF65-F5344CB8AC3E}">
-        <p14:creationId xmlns:p14="http://schemas.microsoft.com/office/powerpoint/2010/main" val="767783535"/>
-      </p:ext>
-    </p:extLst>
-  </p:cSld>
-  <p:clrMapOvr>
-    <a:masterClrMapping/>
-  </p:clrMapOvr>
-</p:sld>
-</file>
-
-<file path=ppt/slides/slide2.xml><?xml version="1.0" encoding="utf-8"?>
-<p:sld xmlns:a="http://schemas.openxmlformats.org/drawingml/2006/main" xmlns:r="http://schemas.openxmlformats.org/officeDocument/2006/relationships" xmlns:p="http://schemas.openxmlformats.org/presentationml/2006/main">
-  <p:cSld>
-    <p:spTree>
-      <p:nvGrpSpPr>
-        <p:cNvPr id="1" name=""/>
-        <p:cNvGrpSpPr/>
-        <p:nvPr/>
-      </p:nvGrpSpPr>
-      <p:grpSpPr>
-        <a:xfrm>
-          <a:off x="0" y="0"/>
-          <a:ext cx="0" cy="0"/>
-          <a:chOff x="0" y="0"/>
-          <a:chExt cx="0" cy="0"/>
-        </a:xfrm>
-      </p:grpSpPr>
-      <p:sp>
-        <p:nvSpPr>
-          <p:cNvPr id="2" name="Title 1">
-            <a:extLst>
-              <a:ext uri="{FF2B5EF4-FFF2-40B4-BE49-F238E27FC236}">
-                <a16:creationId xmlns:a16="http://schemas.microsoft.com/office/drawing/2014/main" id="{51ABC884-3E37-7443-9774-E6DAFDBA27D0}"/>
-              </a:ext>
-            </a:extLst>
-          </p:cNvPr>
-          <p:cNvSpPr>
-            <a:spLocks noGrp="1"/>
-          </p:cNvSpPr>
-          <p:nvPr>
-            <p:ph type="title"/>
-          </p:nvPr>
-        </p:nvSpPr>
-        <p:spPr/>
-        <p:txBody>
-          <a:bodyPr/>
-          <a:lstStyle/>
-          <a:p>
-            <a:r>
-              <a:rPr lang="en-GB" dirty="0"/>
-              <a:t>1. Login to Rosalind</a:t>
+              <a:t> Environment</a:t>
             </a:r>
           </a:p>
         </p:txBody>
@@ -3753,26 +3594,21 @@
             </a:r>
             <a:r>
               <a:rPr lang="en-GB" b="1" dirty="0" err="1"/>
-              <a:t>ssh</a:t>
+              <a:t>conda</a:t>
             </a:r>
             <a:r>
               <a:rPr lang="en-GB" b="1" dirty="0"/>
-              <a:t> </a:t>
-            </a:r>
-            <a:r>
-              <a:rPr lang="en-GB" b="1" dirty="0" err="1"/>
-              <a:t>kNumber@login.rosalind.kcl.ac.uk</a:t>
-            </a:r>
-            <a:endParaRPr lang="en-GB" b="1" dirty="0"/>
+              <a:t> activate microbiome</a:t>
+            </a:r>
           </a:p>
         </p:txBody>
       </p:sp>
       <p:pic>
         <p:nvPicPr>
-          <p:cNvPr id="4" name="Picture 3">
-            <a:extLst>
-              <a:ext uri="{FF2B5EF4-FFF2-40B4-BE49-F238E27FC236}">
-                <a16:creationId xmlns:a16="http://schemas.microsoft.com/office/drawing/2014/main" id="{530641D7-CD78-4840-8C9B-82D3738B6E10}"/>
+          <p:cNvPr id="5" name="Picture 4">
+            <a:extLst>
+              <a:ext uri="{FF2B5EF4-FFF2-40B4-BE49-F238E27FC236}">
+                <a16:creationId xmlns:a16="http://schemas.microsoft.com/office/drawing/2014/main" id="{53D64D5C-8E11-684E-809D-6566455283B8}"/>
               </a:ext>
             </a:extLst>
           </p:cNvPr>
@@ -3789,343 +3625,31 @@
         </p:blipFill>
         <p:spPr>
           <a:xfrm>
-            <a:off x="1935805" y="1911756"/>
-            <a:ext cx="7904518" cy="4683597"/>
+            <a:off x="742004" y="2501900"/>
+            <a:ext cx="10007600" cy="927100"/>
           </a:xfrm>
           <a:prstGeom prst="rect">
             <a:avLst/>
           </a:prstGeom>
         </p:spPr>
       </p:pic>
-    </p:spTree>
-    <p:extLst>
-      <p:ext uri="{BB962C8B-B14F-4D97-AF65-F5344CB8AC3E}">
-        <p14:creationId xmlns:p14="http://schemas.microsoft.com/office/powerpoint/2010/main" val="358542122"/>
-      </p:ext>
-    </p:extLst>
-  </p:cSld>
-  <p:clrMapOvr>
-    <a:masterClrMapping/>
-  </p:clrMapOvr>
-</p:sld>
-</file>
-
-<file path=ppt/slides/slide3.xml><?xml version="1.0" encoding="utf-8"?>
-<p:sld xmlns:a="http://schemas.openxmlformats.org/drawingml/2006/main" xmlns:r="http://schemas.openxmlformats.org/officeDocument/2006/relationships" xmlns:p="http://schemas.openxmlformats.org/presentationml/2006/main">
-  <p:cSld>
-    <p:spTree>
-      <p:nvGrpSpPr>
-        <p:cNvPr id="1" name=""/>
-        <p:cNvGrpSpPr/>
-        <p:nvPr/>
-      </p:nvGrpSpPr>
-      <p:grpSpPr>
-        <a:xfrm>
-          <a:off x="0" y="0"/>
-          <a:ext cx="0" cy="0"/>
-          <a:chOff x="0" y="0"/>
-          <a:chExt cx="0" cy="0"/>
-        </a:xfrm>
-      </p:grpSpPr>
-      <p:sp>
-        <p:nvSpPr>
-          <p:cNvPr id="2" name="Title 1">
-            <a:extLst>
-              <a:ext uri="{FF2B5EF4-FFF2-40B4-BE49-F238E27FC236}">
-                <a16:creationId xmlns:a16="http://schemas.microsoft.com/office/drawing/2014/main" id="{51ABC884-3E37-7443-9774-E6DAFDBA27D0}"/>
-              </a:ext>
-            </a:extLst>
-          </p:cNvPr>
-          <p:cNvSpPr>
-            <a:spLocks noGrp="1"/>
-          </p:cNvSpPr>
-          <p:nvPr>
-            <p:ph type="title"/>
-          </p:nvPr>
-        </p:nvSpPr>
-        <p:spPr/>
-        <p:txBody>
-          <a:bodyPr/>
-          <a:lstStyle/>
-          <a:p>
-            <a:r>
-              <a:rPr lang="en-GB" dirty="0"/>
-              <a:t>2. Download </a:t>
-            </a:r>
-            <a:r>
-              <a:rPr lang="en-GB" dirty="0" err="1"/>
-              <a:t>Conda</a:t>
-            </a:r>
-            <a:r>
-              <a:rPr lang="en-GB" dirty="0"/>
-              <a:t> Environment file</a:t>
-            </a:r>
-          </a:p>
-        </p:txBody>
-      </p:sp>
-      <p:sp>
-        <p:nvSpPr>
-          <p:cNvPr id="3" name="Content Placeholder 2">
-            <a:extLst>
-              <a:ext uri="{FF2B5EF4-FFF2-40B4-BE49-F238E27FC236}">
-                <a16:creationId xmlns:a16="http://schemas.microsoft.com/office/drawing/2014/main" id="{FBA9F3BE-6108-3B48-8D2A-4E1B18079539}"/>
-              </a:ext>
-            </a:extLst>
-          </p:cNvPr>
-          <p:cNvSpPr>
-            <a:spLocks noGrp="1"/>
-          </p:cNvSpPr>
-          <p:nvPr>
-            <p:ph idx="1"/>
-          </p:nvPr>
+      <p:sp>
+        <p:nvSpPr>
+          <p:cNvPr id="6" name="Content Placeholder 2">
+            <a:extLst>
+              <a:ext uri="{FF2B5EF4-FFF2-40B4-BE49-F238E27FC236}">
+                <a16:creationId xmlns:a16="http://schemas.microsoft.com/office/drawing/2014/main" id="{CB1B7D1A-47E8-CB41-9F0B-4CDA4C98772D}"/>
+              </a:ext>
+            </a:extLst>
+          </p:cNvPr>
+          <p:cNvSpPr txBox="1">
+            <a:spLocks/>
+          </p:cNvSpPr>
+          <p:nvPr/>
         </p:nvSpPr>
         <p:spPr>
           <a:xfrm>
-            <a:off x="838200" y="1280876"/>
-            <a:ext cx="10515600" cy="1693391"/>
-          </a:xfrm>
-        </p:spPr>
-        <p:txBody>
-          <a:bodyPr>
-            <a:normAutofit fontScale="92500" lnSpcReduction="10000"/>
-          </a:bodyPr>
-          <a:lstStyle/>
-          <a:p>
-            <a:pPr marL="0" indent="0">
-              <a:buNone/>
-            </a:pPr>
-            <a:r>
-              <a:rPr lang="en-GB" dirty="0"/>
-              <a:t>Command: </a:t>
-            </a:r>
-          </a:p>
-          <a:p>
-            <a:pPr marL="0" indent="0">
-              <a:buNone/>
-            </a:pPr>
-            <a:r>
-              <a:rPr lang="en-GB" sz="3400" b="1" dirty="0" err="1"/>
-              <a:t>wget</a:t>
-            </a:r>
-            <a:r>
-              <a:rPr lang="en-GB" sz="3400" b="1" dirty="0"/>
-              <a:t> https://</a:t>
-            </a:r>
-            <a:r>
-              <a:rPr lang="en-GB" sz="3400" b="1" dirty="0" err="1"/>
-              <a:t>raw.githubusercontent.com</a:t>
-            </a:r>
-            <a:r>
-              <a:rPr lang="en-GB" sz="3400" b="1" dirty="0"/>
-              <a:t>/</a:t>
-            </a:r>
-            <a:r>
-              <a:rPr lang="en-GB" sz="3400" b="1" dirty="0" err="1"/>
-              <a:t>muharif</a:t>
-            </a:r>
-            <a:r>
-              <a:rPr lang="en-GB" sz="3400" b="1" dirty="0"/>
-              <a:t>/MicrobiomeKCL2020/master/</a:t>
-            </a:r>
-            <a:r>
-              <a:rPr lang="en-GB" sz="3400" b="1" dirty="0" err="1"/>
-              <a:t>MicrobiomeWS</a:t>
-            </a:r>
-            <a:r>
-              <a:rPr lang="en-GB" sz="3400" b="1" dirty="0"/>
-              <a:t>/</a:t>
-            </a:r>
-            <a:r>
-              <a:rPr lang="en-GB" sz="3400" b="1" dirty="0" err="1"/>
-              <a:t>microbiome_env.yml</a:t>
-            </a:r>
-            <a:endParaRPr lang="en-GB" sz="3400" b="1" dirty="0"/>
-          </a:p>
-        </p:txBody>
-      </p:sp>
-      <p:pic>
-        <p:nvPicPr>
-          <p:cNvPr id="4" name="Picture 3">
-            <a:extLst>
-              <a:ext uri="{FF2B5EF4-FFF2-40B4-BE49-F238E27FC236}">
-                <a16:creationId xmlns:a16="http://schemas.microsoft.com/office/drawing/2014/main" id="{7BAA8AF4-92EB-D641-B110-C3E314E6B4B0}"/>
-              </a:ext>
-            </a:extLst>
-          </p:cNvPr>
-          <p:cNvPicPr>
-            <a:picLocks noChangeAspect="1"/>
-          </p:cNvPicPr>
-          <p:nvPr/>
-        </p:nvPicPr>
-        <p:blipFill>
-          <a:blip r:embed="rId2"/>
-          <a:stretch>
-            <a:fillRect/>
-          </a:stretch>
-        </p:blipFill>
-        <p:spPr>
-          <a:xfrm>
-            <a:off x="0" y="3042361"/>
-            <a:ext cx="12192000" cy="2251881"/>
-          </a:xfrm>
-          <a:prstGeom prst="rect">
-            <a:avLst/>
-          </a:prstGeom>
-        </p:spPr>
-      </p:pic>
-    </p:spTree>
-    <p:extLst>
-      <p:ext uri="{BB962C8B-B14F-4D97-AF65-F5344CB8AC3E}">
-        <p14:creationId xmlns:p14="http://schemas.microsoft.com/office/powerpoint/2010/main" val="3936721094"/>
-      </p:ext>
-    </p:extLst>
-  </p:cSld>
-  <p:clrMapOvr>
-    <a:masterClrMapping/>
-  </p:clrMapOvr>
-</p:sld>
-</file>
-
-<file path=ppt/slides/slide4.xml><?xml version="1.0" encoding="utf-8"?>
-<p:sld xmlns:a="http://schemas.openxmlformats.org/drawingml/2006/main" xmlns:r="http://schemas.openxmlformats.org/officeDocument/2006/relationships" xmlns:p="http://schemas.openxmlformats.org/presentationml/2006/main">
-  <p:cSld>
-    <p:spTree>
-      <p:nvGrpSpPr>
-        <p:cNvPr id="1" name=""/>
-        <p:cNvGrpSpPr/>
-        <p:nvPr/>
-      </p:nvGrpSpPr>
-      <p:grpSpPr>
-        <a:xfrm>
-          <a:off x="0" y="0"/>
-          <a:ext cx="0" cy="0"/>
-          <a:chOff x="0" y="0"/>
-          <a:chExt cx="0" cy="0"/>
-        </a:xfrm>
-      </p:grpSpPr>
-      <p:sp>
-        <p:nvSpPr>
-          <p:cNvPr id="2" name="Title 1">
-            <a:extLst>
-              <a:ext uri="{FF2B5EF4-FFF2-40B4-BE49-F238E27FC236}">
-                <a16:creationId xmlns:a16="http://schemas.microsoft.com/office/drawing/2014/main" id="{51ABC884-3E37-7443-9774-E6DAFDBA27D0}"/>
-              </a:ext>
-            </a:extLst>
-          </p:cNvPr>
-          <p:cNvSpPr>
-            <a:spLocks noGrp="1"/>
-          </p:cNvSpPr>
-          <p:nvPr>
-            <p:ph type="title"/>
-          </p:nvPr>
-        </p:nvSpPr>
-        <p:spPr/>
-        <p:txBody>
-          <a:bodyPr/>
-          <a:lstStyle/>
-          <a:p>
-            <a:r>
-              <a:rPr lang="en-GB" dirty="0"/>
-              <a:t>3. Load Anaconda Module in Rosalind</a:t>
-            </a:r>
-          </a:p>
-        </p:txBody>
-      </p:sp>
-      <p:sp>
-        <p:nvSpPr>
-          <p:cNvPr id="3" name="Content Placeholder 2">
-            <a:extLst>
-              <a:ext uri="{FF2B5EF4-FFF2-40B4-BE49-F238E27FC236}">
-                <a16:creationId xmlns:a16="http://schemas.microsoft.com/office/drawing/2014/main" id="{FBA9F3BE-6108-3B48-8D2A-4E1B18079539}"/>
-              </a:ext>
-            </a:extLst>
-          </p:cNvPr>
-          <p:cNvSpPr>
-            <a:spLocks noGrp="1"/>
-          </p:cNvSpPr>
-          <p:nvPr>
-            <p:ph idx="1"/>
-          </p:nvPr>
-        </p:nvSpPr>
-        <p:spPr>
-          <a:xfrm>
-            <a:off x="838200" y="1348970"/>
-            <a:ext cx="10515600" cy="881063"/>
-          </a:xfrm>
-        </p:spPr>
-        <p:txBody>
-          <a:bodyPr/>
-          <a:lstStyle/>
-          <a:p>
-            <a:pPr marL="0" indent="0">
-              <a:buNone/>
-            </a:pPr>
-            <a:r>
-              <a:rPr lang="en-GB" dirty="0"/>
-              <a:t>Command: </a:t>
-            </a:r>
-            <a:r>
-              <a:rPr lang="en-GB" b="1" dirty="0"/>
-              <a:t>module load </a:t>
-            </a:r>
-            <a:r>
-              <a:rPr lang="en-GB" b="1" dirty="0" err="1"/>
-              <a:t>devtools</a:t>
-            </a:r>
-            <a:r>
-              <a:rPr lang="en-GB" b="1" dirty="0"/>
-              <a:t>/anaconda</a:t>
-            </a:r>
-          </a:p>
-        </p:txBody>
-      </p:sp>
-      <p:pic>
-        <p:nvPicPr>
-          <p:cNvPr id="5" name="Picture 4">
-            <a:extLst>
-              <a:ext uri="{FF2B5EF4-FFF2-40B4-BE49-F238E27FC236}">
-                <a16:creationId xmlns:a16="http://schemas.microsoft.com/office/drawing/2014/main" id="{2BF74B92-DC09-E148-BEE7-E2F990C44A97}"/>
-              </a:ext>
-            </a:extLst>
-          </p:cNvPr>
-          <p:cNvPicPr>
-            <a:picLocks noChangeAspect="1"/>
-          </p:cNvPicPr>
-          <p:nvPr/>
-        </p:nvPicPr>
-        <p:blipFill>
-          <a:blip r:embed="rId2"/>
-          <a:stretch>
-            <a:fillRect/>
-          </a:stretch>
-        </p:blipFill>
-        <p:spPr>
-          <a:xfrm>
-            <a:off x="1775163" y="2230033"/>
-            <a:ext cx="8369300" cy="889000"/>
-          </a:xfrm>
-          <a:prstGeom prst="rect">
-            <a:avLst/>
-          </a:prstGeom>
-        </p:spPr>
-      </p:pic>
-      <p:sp>
-        <p:nvSpPr>
-          <p:cNvPr id="6" name="Content Placeholder 2">
-            <a:extLst>
-              <a:ext uri="{FF2B5EF4-FFF2-40B4-BE49-F238E27FC236}">
-                <a16:creationId xmlns:a16="http://schemas.microsoft.com/office/drawing/2014/main" id="{629BD06E-A63C-0B47-9B6B-6622B9B8CFC2}"/>
-              </a:ext>
-            </a:extLst>
-          </p:cNvPr>
-          <p:cNvSpPr txBox="1">
-            <a:spLocks/>
-          </p:cNvSpPr>
-          <p:nvPr/>
-        </p:nvSpPr>
-        <p:spPr>
-          <a:xfrm>
-            <a:off x="932234" y="3514996"/>
+            <a:off x="234004" y="4945706"/>
             <a:ext cx="10515600" cy="881063"/>
           </a:xfrm>
           <a:prstGeom prst="rect">
@@ -4311,15 +3835,61 @@
                   <a:srgbClr val="FFFF00"/>
                 </a:highlight>
               </a:rPr>
-              <a:t>Warning: No output is expected.</a:t>
-            </a:r>
+              <a:t>You should see (microbiome) in your shell now</a:t>
+            </a:r>
+          </a:p>
+        </p:txBody>
+      </p:sp>
+      <p:sp>
+        <p:nvSpPr>
+          <p:cNvPr id="7" name="Down Arrow 6">
+            <a:extLst>
+              <a:ext uri="{FF2B5EF4-FFF2-40B4-BE49-F238E27FC236}">
+                <a16:creationId xmlns:a16="http://schemas.microsoft.com/office/drawing/2014/main" id="{9B11E610-7FE1-124E-94CB-CB81DBEE17EC}"/>
+              </a:ext>
+            </a:extLst>
+          </p:cNvPr>
+          <p:cNvSpPr/>
+          <p:nvPr/>
+        </p:nvSpPr>
+        <p:spPr>
+          <a:xfrm flipV="1">
+            <a:off x="1206231" y="3187938"/>
+            <a:ext cx="690664" cy="1653703"/>
+          </a:xfrm>
+          <a:prstGeom prst="downArrow">
+            <a:avLst/>
+          </a:prstGeom>
+        </p:spPr>
+        <p:style>
+          <a:lnRef idx="2">
+            <a:schemeClr val="accent1">
+              <a:shade val="50000"/>
+            </a:schemeClr>
+          </a:lnRef>
+          <a:fillRef idx="1">
+            <a:schemeClr val="accent1"/>
+          </a:fillRef>
+          <a:effectRef idx="0">
+            <a:schemeClr val="accent1"/>
+          </a:effectRef>
+          <a:fontRef idx="minor">
+            <a:schemeClr val="lt1"/>
+          </a:fontRef>
+        </p:style>
+        <p:txBody>
+          <a:bodyPr rtlCol="0" anchor="ctr"/>
+          <a:lstStyle/>
+          <a:p>
+            <a:pPr algn="ctr"/>
+            <a:endParaRPr lang="en-GB"/>
           </a:p>
         </p:txBody>
       </p:sp>
     </p:spTree>
     <p:extLst>
       <p:ext uri="{BB962C8B-B14F-4D97-AF65-F5344CB8AC3E}">
-        <p14:creationId xmlns:p14="http://schemas.microsoft.com/office/powerpoint/2010/main" val="1314961667"/>
+        <p14:creationId xmlns:p14="http://schemas.microsoft.com/office/powerpoint/2010/main" val="152955310"/>
       </p:ext>
     </p:extLst>
   </p:cSld>
@@ -4329,7 +3899,7 @@
 </p:sld>
 </file>
 
-<file path=ppt/slides/slide5.xml><?xml version="1.0" encoding="utf-8"?>
+<file path=ppt/slides/slide12.xml><?xml version="1.0" encoding="utf-8"?>
 <p:sld xmlns:a="http://schemas.openxmlformats.org/drawingml/2006/main" xmlns:r="http://schemas.openxmlformats.org/officeDocument/2006/relationships" xmlns:p="http://schemas.openxmlformats.org/presentationml/2006/main">
   <p:cSld>
     <p:spTree>
@@ -4351,7 +3921,7 @@
           <p:cNvPr id="2" name="Title 1">
             <a:extLst>
               <a:ext uri="{FF2B5EF4-FFF2-40B4-BE49-F238E27FC236}">
-                <a16:creationId xmlns:a16="http://schemas.microsoft.com/office/drawing/2014/main" id="{51ABC884-3E37-7443-9774-E6DAFDBA27D0}"/>
+                <a16:creationId xmlns:a16="http://schemas.microsoft.com/office/drawing/2014/main" id="{49612E68-D11E-8B4D-AA76-5BDC94462106}"/>
               </a:ext>
             </a:extLst>
           </p:cNvPr>
@@ -4369,105 +3939,237 @@
           <a:p>
             <a:r>
               <a:rPr lang="en-GB" dirty="0"/>
-              <a:t>4. Load </a:t>
+              <a:t>Next Commands</a:t>
+            </a:r>
+          </a:p>
+        </p:txBody>
+      </p:sp>
+      <p:sp>
+        <p:nvSpPr>
+          <p:cNvPr id="3" name="Content Placeholder 2">
+            <a:extLst>
+              <a:ext uri="{FF2B5EF4-FFF2-40B4-BE49-F238E27FC236}">
+                <a16:creationId xmlns:a16="http://schemas.microsoft.com/office/drawing/2014/main" id="{CD12DA2F-BE4B-B444-8D93-35F28B8A9F4D}"/>
+              </a:ext>
+            </a:extLst>
+          </p:cNvPr>
+          <p:cNvSpPr>
+            <a:spLocks noGrp="1"/>
+          </p:cNvSpPr>
+          <p:nvPr>
+            <p:ph idx="1"/>
+          </p:nvPr>
+        </p:nvSpPr>
+        <p:spPr/>
+        <p:txBody>
+          <a:bodyPr>
+            <a:normAutofit fontScale="70000" lnSpcReduction="20000"/>
+          </a:bodyPr>
+          <a:lstStyle/>
+          <a:p>
+            <a:r>
+              <a:rPr lang="en-GB" dirty="0"/>
+              <a:t>Don’t forget to run the </a:t>
             </a:r>
             <a:r>
               <a:rPr lang="en-GB" dirty="0" err="1"/>
-              <a:t>Conda</a:t>
+              <a:t>metaphlan</a:t>
             </a:r>
             <a:r>
               <a:rPr lang="en-GB" dirty="0"/>
-              <a:t> Init</a:t>
-            </a:r>
-          </a:p>
-        </p:txBody>
-      </p:sp>
-      <p:sp>
-        <p:nvSpPr>
-          <p:cNvPr id="3" name="Content Placeholder 2">
-            <a:extLst>
-              <a:ext uri="{FF2B5EF4-FFF2-40B4-BE49-F238E27FC236}">
-                <a16:creationId xmlns:a16="http://schemas.microsoft.com/office/drawing/2014/main" id="{FBA9F3BE-6108-3B48-8D2A-4E1B18079539}"/>
-              </a:ext>
-            </a:extLst>
-          </p:cNvPr>
-          <p:cNvSpPr>
-            <a:spLocks noGrp="1"/>
-          </p:cNvSpPr>
-          <p:nvPr>
-            <p:ph idx="1"/>
-          </p:nvPr>
-        </p:nvSpPr>
-        <p:spPr>
-          <a:xfrm>
-            <a:off x="838200" y="1348970"/>
-            <a:ext cx="10515600" cy="881063"/>
-          </a:xfrm>
-        </p:spPr>
-        <p:txBody>
-          <a:bodyPr/>
-          <a:lstStyle/>
-          <a:p>
-            <a:pPr marL="0" indent="0">
+              <a:t> after loading the environment (slide 9)</a:t>
+            </a:r>
+          </a:p>
+          <a:p>
+            <a:r>
+              <a:rPr lang="en-GB" dirty="0"/>
+              <a:t>Going into interactive mode:</a:t>
+            </a:r>
+          </a:p>
+          <a:p>
+            <a:pPr marL="457200" lvl="1" indent="0">
               <a:buNone/>
             </a:pPr>
             <a:r>
+              <a:rPr lang="en-GB" b="1" dirty="0" err="1"/>
+              <a:t>srun</a:t>
+            </a:r>
+            <a:r>
+              <a:rPr lang="en-GB" b="1" dirty="0"/>
+              <a:t> -p shared --</a:t>
+            </a:r>
+            <a:r>
+              <a:rPr lang="en-GB" b="1" dirty="0" err="1"/>
+              <a:t>pty</a:t>
+            </a:r>
+            <a:r>
+              <a:rPr lang="en-GB" b="1" dirty="0"/>
+              <a:t> /bin/bash</a:t>
+            </a:r>
+          </a:p>
+          <a:p>
+            <a:r>
               <a:rPr lang="en-GB" dirty="0"/>
-              <a:t>Command: </a:t>
-            </a:r>
+              <a:t>Move to microbiome environment:</a:t>
+            </a:r>
+          </a:p>
+          <a:p>
+            <a:pPr marL="457200" lvl="1" indent="0">
+              <a:buNone/>
+            </a:pPr>
             <a:r>
               <a:rPr lang="en-GB" b="1" dirty="0" err="1"/>
               <a:t>conda</a:t>
             </a:r>
             <a:r>
               <a:rPr lang="en-GB" b="1" dirty="0"/>
+              <a:t> activate microbiome</a:t>
+            </a:r>
+          </a:p>
+          <a:p>
+            <a:r>
+              <a:rPr lang="en-GB" dirty="0"/>
+              <a:t>Load Bowtie2:</a:t>
+            </a:r>
+          </a:p>
+          <a:p>
+            <a:pPr marL="457200" lvl="1" indent="0">
+              <a:buNone/>
+            </a:pPr>
+            <a:r>
+              <a:rPr lang="en-GB" b="1" dirty="0"/>
+              <a:t>module load apps/bowtie2</a:t>
+            </a:r>
+          </a:p>
+          <a:p>
+            <a:r>
+              <a:rPr lang="en-GB" dirty="0"/>
+              <a:t>Going into home directory:</a:t>
+            </a:r>
+          </a:p>
+          <a:p>
+            <a:pPr marL="457200" lvl="1" indent="0">
+              <a:buNone/>
+            </a:pPr>
+            <a:r>
+              <a:rPr lang="en-GB" b="1" dirty="0"/>
+              <a:t>cd ~ </a:t>
+            </a:r>
+            <a:r>
+              <a:rPr lang="en-GB" dirty="0"/>
+              <a:t>OR </a:t>
+            </a:r>
+            <a:r>
+              <a:rPr lang="en-GB" b="1" dirty="0"/>
+              <a:t>cd /users/</a:t>
+            </a:r>
+            <a:r>
+              <a:rPr lang="en-GB" b="1" dirty="0" err="1"/>
+              <a:t>kNumber</a:t>
+            </a:r>
+            <a:endParaRPr lang="en-GB" b="1" dirty="0"/>
+          </a:p>
+          <a:p>
+            <a:r>
+              <a:rPr lang="en-GB" dirty="0"/>
+              <a:t>Download Example Sequences (Filtered):</a:t>
+            </a:r>
+          </a:p>
+          <a:p>
+            <a:pPr marL="457200" lvl="1" indent="0">
+              <a:buNone/>
+            </a:pPr>
+            <a:r>
+              <a:rPr lang="en-GB" b="1" dirty="0" err="1"/>
+              <a:t>wget</a:t>
+            </a:r>
+            <a:r>
+              <a:rPr lang="en-GB" b="1" dirty="0"/>
+              <a:t> https://</a:t>
+            </a:r>
+            <a:r>
+              <a:rPr lang="en-GB" b="1" dirty="0" err="1"/>
+              <a:t>raw.githubusercontent.com</a:t>
+            </a:r>
+            <a:r>
+              <a:rPr lang="en-GB" b="1" dirty="0"/>
+              <a:t>/</a:t>
+            </a:r>
+            <a:r>
+              <a:rPr lang="en-GB" b="1" dirty="0" err="1"/>
+              <a:t>muharif</a:t>
+            </a:r>
+            <a:r>
+              <a:rPr lang="en-GB" b="1" dirty="0"/>
+              <a:t>/MicrobiomeKCL2020/master/</a:t>
+            </a:r>
+            <a:r>
+              <a:rPr lang="en-GB" b="1" dirty="0" err="1"/>
+              <a:t>MicrobiomeWS</a:t>
+            </a:r>
+            <a:r>
+              <a:rPr lang="en-GB" b="1" dirty="0"/>
+              <a:t>/SRS014459-Stool.fasta.gz</a:t>
+            </a:r>
+          </a:p>
+          <a:p>
+            <a:r>
+              <a:rPr lang="en-GB" dirty="0"/>
+              <a:t>Running metaphlan2 (assuming your file is downloaded in home directory, check with ls</a:t>
+            </a:r>
+            <a:r>
+              <a:rPr lang="en-GB" b="1" dirty="0"/>
+              <a:t>):</a:t>
+            </a:r>
+          </a:p>
+          <a:p>
+            <a:pPr marL="457200" lvl="1" indent="0">
+              <a:buNone/>
+            </a:pPr>
+            <a:r>
+              <a:rPr lang="en-GB" b="1" dirty="0" err="1"/>
+              <a:t>metaphlan</a:t>
+            </a:r>
+            <a:r>
+              <a:rPr lang="en-GB" b="1" dirty="0"/>
+              <a:t> SRS014459-Stool.fasta.gz --</a:t>
+            </a:r>
+            <a:r>
+              <a:rPr lang="en-GB" b="1" dirty="0" err="1"/>
+              <a:t>input_type</a:t>
+            </a:r>
+            <a:r>
+              <a:rPr lang="en-GB" b="1" dirty="0"/>
               <a:t> </a:t>
             </a:r>
             <a:r>
               <a:rPr lang="en-GB" b="1" dirty="0" err="1"/>
-              <a:t>init</a:t>
+              <a:t>fastq</a:t>
             </a:r>
             <a:r>
               <a:rPr lang="en-GB" b="1" dirty="0"/>
-              <a:t> bash</a:t>
-            </a:r>
-          </a:p>
-        </p:txBody>
-      </p:sp>
-      <p:pic>
-        <p:nvPicPr>
-          <p:cNvPr id="4" name="Picture 3">
-            <a:extLst>
-              <a:ext uri="{FF2B5EF4-FFF2-40B4-BE49-F238E27FC236}">
-                <a16:creationId xmlns:a16="http://schemas.microsoft.com/office/drawing/2014/main" id="{CAE81CF6-E8F7-E647-87A1-FB94047C8714}"/>
-              </a:ext>
-            </a:extLst>
-          </p:cNvPr>
-          <p:cNvPicPr>
-            <a:picLocks noChangeAspect="1"/>
-          </p:cNvPicPr>
-          <p:nvPr/>
-        </p:nvPicPr>
-        <p:blipFill>
-          <a:blip r:embed="rId2"/>
-          <a:stretch>
-            <a:fillRect/>
-          </a:stretch>
-        </p:blipFill>
-        <p:spPr>
-          <a:xfrm>
-            <a:off x="145915" y="2058511"/>
-            <a:ext cx="12192000" cy="3772110"/>
-          </a:xfrm>
-          <a:prstGeom prst="rect">
-            <a:avLst/>
-          </a:prstGeom>
-        </p:spPr>
-      </p:pic>
+              <a:t> --</a:t>
+            </a:r>
+            <a:r>
+              <a:rPr lang="en-GB" b="1" dirty="0" err="1"/>
+              <a:t>nproc</a:t>
+            </a:r>
+            <a:r>
+              <a:rPr lang="en-GB" b="1" dirty="0"/>
+              <a:t> 16 &gt; </a:t>
+            </a:r>
+            <a:r>
+              <a:rPr lang="en-GB" b="1" dirty="0" err="1"/>
+              <a:t>microbiome_workshop_results.txt</a:t>
+            </a:r>
+            <a:endParaRPr lang="en-GB" dirty="0"/>
+          </a:p>
+        </p:txBody>
+      </p:sp>
     </p:spTree>
     <p:extLst>
       <p:ext uri="{BB962C8B-B14F-4D97-AF65-F5344CB8AC3E}">
-        <p14:creationId xmlns:p14="http://schemas.microsoft.com/office/powerpoint/2010/main" val="791378294"/>
+        <p14:creationId xmlns:p14="http://schemas.microsoft.com/office/powerpoint/2010/main" val="2155166249"/>
       </p:ext>
     </p:extLst>
   </p:cSld>
@@ -4477,7 +4179,7 @@
 </p:sld>
 </file>
 
-<file path=ppt/slides/slide6.xml><?xml version="1.0" encoding="utf-8"?>
+<file path=ppt/slides/slide13.xml><?xml version="1.0" encoding="utf-8"?>
 <p:sld xmlns:a="http://schemas.openxmlformats.org/drawingml/2006/main" xmlns:r="http://schemas.openxmlformats.org/officeDocument/2006/relationships" xmlns:p="http://schemas.openxmlformats.org/presentationml/2006/main">
   <p:cSld>
     <p:spTree>
@@ -4499,6 +4201,125 @@
           <p:cNvPr id="2" name="Title 1">
             <a:extLst>
               <a:ext uri="{FF2B5EF4-FFF2-40B4-BE49-F238E27FC236}">
+                <a16:creationId xmlns:a16="http://schemas.microsoft.com/office/drawing/2014/main" id="{10E454AA-A4F3-E646-A930-7EAC7C3469D0}"/>
+              </a:ext>
+            </a:extLst>
+          </p:cNvPr>
+          <p:cNvSpPr>
+            <a:spLocks noGrp="1"/>
+          </p:cNvSpPr>
+          <p:nvPr>
+            <p:ph type="title"/>
+          </p:nvPr>
+        </p:nvSpPr>
+        <p:spPr/>
+        <p:txBody>
+          <a:bodyPr/>
+          <a:lstStyle/>
+          <a:p>
+            <a:r>
+              <a:rPr lang="en-GB" dirty="0"/>
+              <a:t>In case of error </a:t>
+            </a:r>
+          </a:p>
+        </p:txBody>
+      </p:sp>
+      <p:sp>
+        <p:nvSpPr>
+          <p:cNvPr id="3" name="Content Placeholder 2">
+            <a:extLst>
+              <a:ext uri="{FF2B5EF4-FFF2-40B4-BE49-F238E27FC236}">
+                <a16:creationId xmlns:a16="http://schemas.microsoft.com/office/drawing/2014/main" id="{34C5DD1F-3308-8A4D-8DD5-64233D28381F}"/>
+              </a:ext>
+            </a:extLst>
+          </p:cNvPr>
+          <p:cNvSpPr>
+            <a:spLocks noGrp="1"/>
+          </p:cNvSpPr>
+          <p:nvPr>
+            <p:ph idx="1"/>
+          </p:nvPr>
+        </p:nvSpPr>
+        <p:spPr/>
+        <p:txBody>
+          <a:bodyPr/>
+          <a:lstStyle/>
+          <a:p>
+            <a:r>
+              <a:rPr lang="en-GB" dirty="0"/>
+              <a:t>If you don’t see (base) in the shell: Redo Step 3-5 from installation step</a:t>
+            </a:r>
+          </a:p>
+          <a:p>
+            <a:r>
+              <a:rPr lang="en-GB" dirty="0"/>
+              <a:t>If you get error “</a:t>
+            </a:r>
+            <a:r>
+              <a:rPr lang="en-GB" dirty="0" err="1"/>
+              <a:t>conda</a:t>
+            </a:r>
+            <a:r>
+              <a:rPr lang="en-GB" dirty="0"/>
+              <a:t> not found”: Redo step 3-5 from installation step</a:t>
+            </a:r>
+          </a:p>
+          <a:p>
+            <a:r>
+              <a:rPr lang="en-GB" dirty="0"/>
+              <a:t>If you get error “Could not find </a:t>
+            </a:r>
+            <a:r>
+              <a:rPr lang="en-GB" dirty="0" err="1"/>
+              <a:t>conda</a:t>
+            </a:r>
+            <a:r>
+              <a:rPr lang="en-GB" dirty="0"/>
+              <a:t> environment XXXX”: Redo the </a:t>
+            </a:r>
+            <a:r>
+              <a:rPr lang="en-GB"/>
+              <a:t>installation step</a:t>
+            </a:r>
+            <a:endParaRPr lang="en-GB" dirty="0"/>
+          </a:p>
+        </p:txBody>
+      </p:sp>
+    </p:spTree>
+    <p:extLst>
+      <p:ext uri="{BB962C8B-B14F-4D97-AF65-F5344CB8AC3E}">
+        <p14:creationId xmlns:p14="http://schemas.microsoft.com/office/powerpoint/2010/main" val="767783535"/>
+      </p:ext>
+    </p:extLst>
+  </p:cSld>
+  <p:clrMapOvr>
+    <a:masterClrMapping/>
+  </p:clrMapOvr>
+</p:sld>
+</file>
+
+<file path=ppt/slides/slide2.xml><?xml version="1.0" encoding="utf-8"?>
+<p:sld xmlns:a="http://schemas.openxmlformats.org/drawingml/2006/main" xmlns:r="http://schemas.openxmlformats.org/officeDocument/2006/relationships" xmlns:p="http://schemas.openxmlformats.org/presentationml/2006/main">
+  <p:cSld>
+    <p:spTree>
+      <p:nvGrpSpPr>
+        <p:cNvPr id="1" name=""/>
+        <p:cNvGrpSpPr/>
+        <p:nvPr/>
+      </p:nvGrpSpPr>
+      <p:grpSpPr>
+        <a:xfrm>
+          <a:off x="0" y="0"/>
+          <a:ext cx="0" cy="0"/>
+          <a:chOff x="0" y="0"/>
+          <a:chExt cx="0" cy="0"/>
+        </a:xfrm>
+      </p:grpSpPr>
+      <p:sp>
+        <p:nvSpPr>
+          <p:cNvPr id="2" name="Title 1">
+            <a:extLst>
+              <a:ext uri="{FF2B5EF4-FFF2-40B4-BE49-F238E27FC236}">
                 <a16:creationId xmlns:a16="http://schemas.microsoft.com/office/drawing/2014/main" id="{51ABC884-3E37-7443-9774-E6DAFDBA27D0}"/>
               </a:ext>
             </a:extLst>
@@ -4517,7 +4338,320 @@
           <a:p>
             <a:r>
               <a:rPr lang="en-GB" dirty="0"/>
-              <a:t>5. Restart the shell</a:t>
+              <a:t>1. Login to Rosalind</a:t>
+            </a:r>
+          </a:p>
+        </p:txBody>
+      </p:sp>
+      <p:sp>
+        <p:nvSpPr>
+          <p:cNvPr id="3" name="Content Placeholder 2">
+            <a:extLst>
+              <a:ext uri="{FF2B5EF4-FFF2-40B4-BE49-F238E27FC236}">
+                <a16:creationId xmlns:a16="http://schemas.microsoft.com/office/drawing/2014/main" id="{FBA9F3BE-6108-3B48-8D2A-4E1B18079539}"/>
+              </a:ext>
+            </a:extLst>
+          </p:cNvPr>
+          <p:cNvSpPr>
+            <a:spLocks noGrp="1"/>
+          </p:cNvSpPr>
+          <p:nvPr>
+            <p:ph idx="1"/>
+          </p:nvPr>
+        </p:nvSpPr>
+        <p:spPr>
+          <a:xfrm>
+            <a:off x="838200" y="1348970"/>
+            <a:ext cx="10515600" cy="4351338"/>
+          </a:xfrm>
+        </p:spPr>
+        <p:txBody>
+          <a:bodyPr/>
+          <a:lstStyle/>
+          <a:p>
+            <a:pPr marL="0" indent="0">
+              <a:buNone/>
+            </a:pPr>
+            <a:r>
+              <a:rPr lang="en-GB" dirty="0"/>
+              <a:t>Command: </a:t>
+            </a:r>
+            <a:r>
+              <a:rPr lang="en-GB" b="1" dirty="0" err="1"/>
+              <a:t>ssh</a:t>
+            </a:r>
+            <a:r>
+              <a:rPr lang="en-GB" b="1" dirty="0"/>
+              <a:t> </a:t>
+            </a:r>
+            <a:r>
+              <a:rPr lang="en-GB" b="1" dirty="0" err="1"/>
+              <a:t>kNumber@login.rosalind.kcl.ac.uk</a:t>
+            </a:r>
+            <a:endParaRPr lang="en-GB" b="1" dirty="0"/>
+          </a:p>
+        </p:txBody>
+      </p:sp>
+      <p:pic>
+        <p:nvPicPr>
+          <p:cNvPr id="4" name="Picture 3">
+            <a:extLst>
+              <a:ext uri="{FF2B5EF4-FFF2-40B4-BE49-F238E27FC236}">
+                <a16:creationId xmlns:a16="http://schemas.microsoft.com/office/drawing/2014/main" id="{530641D7-CD78-4840-8C9B-82D3738B6E10}"/>
+              </a:ext>
+            </a:extLst>
+          </p:cNvPr>
+          <p:cNvPicPr>
+            <a:picLocks noChangeAspect="1"/>
+          </p:cNvPicPr>
+          <p:nvPr/>
+        </p:nvPicPr>
+        <p:blipFill>
+          <a:blip r:embed="rId2"/>
+          <a:stretch>
+            <a:fillRect/>
+          </a:stretch>
+        </p:blipFill>
+        <p:spPr>
+          <a:xfrm>
+            <a:off x="1935805" y="1911756"/>
+            <a:ext cx="7904518" cy="4683597"/>
+          </a:xfrm>
+          <a:prstGeom prst="rect">
+            <a:avLst/>
+          </a:prstGeom>
+        </p:spPr>
+      </p:pic>
+    </p:spTree>
+    <p:extLst>
+      <p:ext uri="{BB962C8B-B14F-4D97-AF65-F5344CB8AC3E}">
+        <p14:creationId xmlns:p14="http://schemas.microsoft.com/office/powerpoint/2010/main" val="358542122"/>
+      </p:ext>
+    </p:extLst>
+  </p:cSld>
+  <p:clrMapOvr>
+    <a:masterClrMapping/>
+  </p:clrMapOvr>
+</p:sld>
+</file>
+
+<file path=ppt/slides/slide3.xml><?xml version="1.0" encoding="utf-8"?>
+<p:sld xmlns:a="http://schemas.openxmlformats.org/drawingml/2006/main" xmlns:r="http://schemas.openxmlformats.org/officeDocument/2006/relationships" xmlns:p="http://schemas.openxmlformats.org/presentationml/2006/main">
+  <p:cSld>
+    <p:spTree>
+      <p:nvGrpSpPr>
+        <p:cNvPr id="1" name=""/>
+        <p:cNvGrpSpPr/>
+        <p:nvPr/>
+      </p:nvGrpSpPr>
+      <p:grpSpPr>
+        <a:xfrm>
+          <a:off x="0" y="0"/>
+          <a:ext cx="0" cy="0"/>
+          <a:chOff x="0" y="0"/>
+          <a:chExt cx="0" cy="0"/>
+        </a:xfrm>
+      </p:grpSpPr>
+      <p:sp>
+        <p:nvSpPr>
+          <p:cNvPr id="2" name="Title 1">
+            <a:extLst>
+              <a:ext uri="{FF2B5EF4-FFF2-40B4-BE49-F238E27FC236}">
+                <a16:creationId xmlns:a16="http://schemas.microsoft.com/office/drawing/2014/main" id="{51ABC884-3E37-7443-9774-E6DAFDBA27D0}"/>
+              </a:ext>
+            </a:extLst>
+          </p:cNvPr>
+          <p:cNvSpPr>
+            <a:spLocks noGrp="1"/>
+          </p:cNvSpPr>
+          <p:nvPr>
+            <p:ph type="title"/>
+          </p:nvPr>
+        </p:nvSpPr>
+        <p:spPr/>
+        <p:txBody>
+          <a:bodyPr/>
+          <a:lstStyle/>
+          <a:p>
+            <a:r>
+              <a:rPr lang="en-GB" dirty="0"/>
+              <a:t>2. Download </a:t>
+            </a:r>
+            <a:r>
+              <a:rPr lang="en-GB" dirty="0" err="1"/>
+              <a:t>Conda</a:t>
+            </a:r>
+            <a:r>
+              <a:rPr lang="en-GB" dirty="0"/>
+              <a:t> Environment file</a:t>
+            </a:r>
+          </a:p>
+        </p:txBody>
+      </p:sp>
+      <p:sp>
+        <p:nvSpPr>
+          <p:cNvPr id="3" name="Content Placeholder 2">
+            <a:extLst>
+              <a:ext uri="{FF2B5EF4-FFF2-40B4-BE49-F238E27FC236}">
+                <a16:creationId xmlns:a16="http://schemas.microsoft.com/office/drawing/2014/main" id="{FBA9F3BE-6108-3B48-8D2A-4E1B18079539}"/>
+              </a:ext>
+            </a:extLst>
+          </p:cNvPr>
+          <p:cNvSpPr>
+            <a:spLocks noGrp="1"/>
+          </p:cNvSpPr>
+          <p:nvPr>
+            <p:ph idx="1"/>
+          </p:nvPr>
+        </p:nvSpPr>
+        <p:spPr>
+          <a:xfrm>
+            <a:off x="838200" y="1280876"/>
+            <a:ext cx="10515600" cy="1693391"/>
+          </a:xfrm>
+        </p:spPr>
+        <p:txBody>
+          <a:bodyPr>
+            <a:normAutofit fontScale="92500" lnSpcReduction="10000"/>
+          </a:bodyPr>
+          <a:lstStyle/>
+          <a:p>
+            <a:pPr marL="0" indent="0">
+              <a:buNone/>
+            </a:pPr>
+            <a:r>
+              <a:rPr lang="en-GB" dirty="0"/>
+              <a:t>Command: </a:t>
+            </a:r>
+          </a:p>
+          <a:p>
+            <a:pPr marL="0" indent="0">
+              <a:buNone/>
+            </a:pPr>
+            <a:r>
+              <a:rPr lang="en-GB" sz="3400" b="1" dirty="0" err="1"/>
+              <a:t>wget</a:t>
+            </a:r>
+            <a:r>
+              <a:rPr lang="en-GB" sz="3400" b="1" dirty="0"/>
+              <a:t> https://</a:t>
+            </a:r>
+            <a:r>
+              <a:rPr lang="en-GB" sz="3400" b="1" dirty="0" err="1"/>
+              <a:t>raw.githubusercontent.com</a:t>
+            </a:r>
+            <a:r>
+              <a:rPr lang="en-GB" sz="3400" b="1" dirty="0"/>
+              <a:t>/</a:t>
+            </a:r>
+            <a:r>
+              <a:rPr lang="en-GB" sz="3400" b="1" dirty="0" err="1"/>
+              <a:t>muharif</a:t>
+            </a:r>
+            <a:r>
+              <a:rPr lang="en-GB" sz="3400" b="1" dirty="0"/>
+              <a:t>/MicrobiomeKCL2020/master/</a:t>
+            </a:r>
+            <a:r>
+              <a:rPr lang="en-GB" sz="3400" b="1" dirty="0" err="1"/>
+              <a:t>MicrobiomeWS</a:t>
+            </a:r>
+            <a:r>
+              <a:rPr lang="en-GB" sz="3400" b="1" dirty="0"/>
+              <a:t>/</a:t>
+            </a:r>
+            <a:r>
+              <a:rPr lang="en-GB" sz="3400" b="1" dirty="0" err="1"/>
+              <a:t>microbiome_env.yml</a:t>
+            </a:r>
+            <a:endParaRPr lang="en-GB" sz="3400" b="1" dirty="0"/>
+          </a:p>
+        </p:txBody>
+      </p:sp>
+      <p:pic>
+        <p:nvPicPr>
+          <p:cNvPr id="4" name="Picture 3">
+            <a:extLst>
+              <a:ext uri="{FF2B5EF4-FFF2-40B4-BE49-F238E27FC236}">
+                <a16:creationId xmlns:a16="http://schemas.microsoft.com/office/drawing/2014/main" id="{7BAA8AF4-92EB-D641-B110-C3E314E6B4B0}"/>
+              </a:ext>
+            </a:extLst>
+          </p:cNvPr>
+          <p:cNvPicPr>
+            <a:picLocks noChangeAspect="1"/>
+          </p:cNvPicPr>
+          <p:nvPr/>
+        </p:nvPicPr>
+        <p:blipFill>
+          <a:blip r:embed="rId2"/>
+          <a:stretch>
+            <a:fillRect/>
+          </a:stretch>
+        </p:blipFill>
+        <p:spPr>
+          <a:xfrm>
+            <a:off x="0" y="3042361"/>
+            <a:ext cx="12192000" cy="2251881"/>
+          </a:xfrm>
+          <a:prstGeom prst="rect">
+            <a:avLst/>
+          </a:prstGeom>
+        </p:spPr>
+      </p:pic>
+    </p:spTree>
+    <p:extLst>
+      <p:ext uri="{BB962C8B-B14F-4D97-AF65-F5344CB8AC3E}">
+        <p14:creationId xmlns:p14="http://schemas.microsoft.com/office/powerpoint/2010/main" val="3936721094"/>
+      </p:ext>
+    </p:extLst>
+  </p:cSld>
+  <p:clrMapOvr>
+    <a:masterClrMapping/>
+  </p:clrMapOvr>
+</p:sld>
+</file>
+
+<file path=ppt/slides/slide4.xml><?xml version="1.0" encoding="utf-8"?>
+<p:sld xmlns:a="http://schemas.openxmlformats.org/drawingml/2006/main" xmlns:r="http://schemas.openxmlformats.org/officeDocument/2006/relationships" xmlns:p="http://schemas.openxmlformats.org/presentationml/2006/main">
+  <p:cSld>
+    <p:spTree>
+      <p:nvGrpSpPr>
+        <p:cNvPr id="1" name=""/>
+        <p:cNvGrpSpPr/>
+        <p:nvPr/>
+      </p:nvGrpSpPr>
+      <p:grpSpPr>
+        <a:xfrm>
+          <a:off x="0" y="0"/>
+          <a:ext cx="0" cy="0"/>
+          <a:chOff x="0" y="0"/>
+          <a:chExt cx="0" cy="0"/>
+        </a:xfrm>
+      </p:grpSpPr>
+      <p:sp>
+        <p:nvSpPr>
+          <p:cNvPr id="2" name="Title 1">
+            <a:extLst>
+              <a:ext uri="{FF2B5EF4-FFF2-40B4-BE49-F238E27FC236}">
+                <a16:creationId xmlns:a16="http://schemas.microsoft.com/office/drawing/2014/main" id="{51ABC884-3E37-7443-9774-E6DAFDBA27D0}"/>
+              </a:ext>
+            </a:extLst>
+          </p:cNvPr>
+          <p:cNvSpPr>
+            <a:spLocks noGrp="1"/>
+          </p:cNvSpPr>
+          <p:nvPr>
+            <p:ph type="title"/>
+          </p:nvPr>
+        </p:nvSpPr>
+        <p:spPr/>
+        <p:txBody>
+          <a:bodyPr/>
+          <a:lstStyle/>
+          <a:p>
+            <a:r>
+              <a:rPr lang="en-GB" dirty="0"/>
+              <a:t>3. Load Anaconda Module in Rosalind</a:t>
             </a:r>
           </a:p>
         </p:txBody>
@@ -4557,16 +4691,49 @@
             </a:r>
             <a:r>
               <a:rPr lang="en-GB" b="1" dirty="0"/>
-              <a:t>source ~/.</a:t>
+              <a:t>module load </a:t>
             </a:r>
             <a:r>
               <a:rPr lang="en-GB" b="1" dirty="0" err="1"/>
-              <a:t>bashrc</a:t>
-            </a:r>
-            <a:endParaRPr lang="en-GB" b="1" dirty="0"/>
-          </a:p>
-        </p:txBody>
-      </p:sp>
+              <a:t>devtools</a:t>
+            </a:r>
+            <a:r>
+              <a:rPr lang="en-GB" b="1" dirty="0"/>
+              <a:t>/anaconda</a:t>
+            </a:r>
+          </a:p>
+        </p:txBody>
+      </p:sp>
+      <p:pic>
+        <p:nvPicPr>
+          <p:cNvPr id="5" name="Picture 4">
+            <a:extLst>
+              <a:ext uri="{FF2B5EF4-FFF2-40B4-BE49-F238E27FC236}">
+                <a16:creationId xmlns:a16="http://schemas.microsoft.com/office/drawing/2014/main" id="{2BF74B92-DC09-E148-BEE7-E2F990C44A97}"/>
+              </a:ext>
+            </a:extLst>
+          </p:cNvPr>
+          <p:cNvPicPr>
+            <a:picLocks noChangeAspect="1"/>
+          </p:cNvPicPr>
+          <p:nvPr/>
+        </p:nvPicPr>
+        <p:blipFill>
+          <a:blip r:embed="rId2"/>
+          <a:stretch>
+            <a:fillRect/>
+          </a:stretch>
+        </p:blipFill>
+        <p:spPr>
+          <a:xfrm>
+            <a:off x="1775163" y="2230033"/>
+            <a:ext cx="8369300" cy="889000"/>
+          </a:xfrm>
+          <a:prstGeom prst="rect">
+            <a:avLst/>
+          </a:prstGeom>
+        </p:spPr>
+      </p:pic>
       <p:sp>
         <p:nvSpPr>
           <p:cNvPr id="6" name="Content Placeholder 2">
@@ -4583,7 +4750,7 @@
         </p:nvSpPr>
         <p:spPr>
           <a:xfrm>
-            <a:off x="932234" y="4536788"/>
+            <a:off x="932234" y="3514996"/>
             <a:ext cx="10515600" cy="881063"/>
           </a:xfrm>
           <a:prstGeom prst="rect">
@@ -4769,6 +4936,464 @@
                   <a:srgbClr val="FFFF00"/>
                 </a:highlight>
               </a:rPr>
+              <a:t>Warning: No output is expected.</a:t>
+            </a:r>
+          </a:p>
+        </p:txBody>
+      </p:sp>
+    </p:spTree>
+    <p:extLst>
+      <p:ext uri="{BB962C8B-B14F-4D97-AF65-F5344CB8AC3E}">
+        <p14:creationId xmlns:p14="http://schemas.microsoft.com/office/powerpoint/2010/main" val="1314961667"/>
+      </p:ext>
+    </p:extLst>
+  </p:cSld>
+  <p:clrMapOvr>
+    <a:masterClrMapping/>
+  </p:clrMapOvr>
+</p:sld>
+</file>
+
+<file path=ppt/slides/slide5.xml><?xml version="1.0" encoding="utf-8"?>
+<p:sld xmlns:a="http://schemas.openxmlformats.org/drawingml/2006/main" xmlns:r="http://schemas.openxmlformats.org/officeDocument/2006/relationships" xmlns:p="http://schemas.openxmlformats.org/presentationml/2006/main">
+  <p:cSld>
+    <p:spTree>
+      <p:nvGrpSpPr>
+        <p:cNvPr id="1" name=""/>
+        <p:cNvGrpSpPr/>
+        <p:nvPr/>
+      </p:nvGrpSpPr>
+      <p:grpSpPr>
+        <a:xfrm>
+          <a:off x="0" y="0"/>
+          <a:ext cx="0" cy="0"/>
+          <a:chOff x="0" y="0"/>
+          <a:chExt cx="0" cy="0"/>
+        </a:xfrm>
+      </p:grpSpPr>
+      <p:sp>
+        <p:nvSpPr>
+          <p:cNvPr id="2" name="Title 1">
+            <a:extLst>
+              <a:ext uri="{FF2B5EF4-FFF2-40B4-BE49-F238E27FC236}">
+                <a16:creationId xmlns:a16="http://schemas.microsoft.com/office/drawing/2014/main" id="{51ABC884-3E37-7443-9774-E6DAFDBA27D0}"/>
+              </a:ext>
+            </a:extLst>
+          </p:cNvPr>
+          <p:cNvSpPr>
+            <a:spLocks noGrp="1"/>
+          </p:cNvSpPr>
+          <p:nvPr>
+            <p:ph type="title"/>
+          </p:nvPr>
+        </p:nvSpPr>
+        <p:spPr/>
+        <p:txBody>
+          <a:bodyPr/>
+          <a:lstStyle/>
+          <a:p>
+            <a:r>
+              <a:rPr lang="en-GB" dirty="0"/>
+              <a:t>4. Load </a:t>
+            </a:r>
+            <a:r>
+              <a:rPr lang="en-GB" dirty="0" err="1"/>
+              <a:t>Conda</a:t>
+            </a:r>
+            <a:r>
+              <a:rPr lang="en-GB" dirty="0"/>
+              <a:t> Init</a:t>
+            </a:r>
+          </a:p>
+        </p:txBody>
+      </p:sp>
+      <p:sp>
+        <p:nvSpPr>
+          <p:cNvPr id="3" name="Content Placeholder 2">
+            <a:extLst>
+              <a:ext uri="{FF2B5EF4-FFF2-40B4-BE49-F238E27FC236}">
+                <a16:creationId xmlns:a16="http://schemas.microsoft.com/office/drawing/2014/main" id="{FBA9F3BE-6108-3B48-8D2A-4E1B18079539}"/>
+              </a:ext>
+            </a:extLst>
+          </p:cNvPr>
+          <p:cNvSpPr>
+            <a:spLocks noGrp="1"/>
+          </p:cNvSpPr>
+          <p:nvPr>
+            <p:ph idx="1"/>
+          </p:nvPr>
+        </p:nvSpPr>
+        <p:spPr>
+          <a:xfrm>
+            <a:off x="838200" y="1348970"/>
+            <a:ext cx="10515600" cy="881063"/>
+          </a:xfrm>
+        </p:spPr>
+        <p:txBody>
+          <a:bodyPr/>
+          <a:lstStyle/>
+          <a:p>
+            <a:pPr marL="0" indent="0">
+              <a:buNone/>
+            </a:pPr>
+            <a:r>
+              <a:rPr lang="en-GB" dirty="0"/>
+              <a:t>Command: </a:t>
+            </a:r>
+            <a:r>
+              <a:rPr lang="en-GB" b="1" dirty="0" err="1"/>
+              <a:t>conda</a:t>
+            </a:r>
+            <a:r>
+              <a:rPr lang="en-GB" b="1" dirty="0"/>
+              <a:t> </a:t>
+            </a:r>
+            <a:r>
+              <a:rPr lang="en-GB" b="1" dirty="0" err="1"/>
+              <a:t>init</a:t>
+            </a:r>
+            <a:r>
+              <a:rPr lang="en-GB" b="1" dirty="0"/>
+              <a:t> bash</a:t>
+            </a:r>
+          </a:p>
+        </p:txBody>
+      </p:sp>
+      <p:pic>
+        <p:nvPicPr>
+          <p:cNvPr id="4" name="Picture 3">
+            <a:extLst>
+              <a:ext uri="{FF2B5EF4-FFF2-40B4-BE49-F238E27FC236}">
+                <a16:creationId xmlns:a16="http://schemas.microsoft.com/office/drawing/2014/main" id="{CAE81CF6-E8F7-E647-87A1-FB94047C8714}"/>
+              </a:ext>
+            </a:extLst>
+          </p:cNvPr>
+          <p:cNvPicPr>
+            <a:picLocks noChangeAspect="1"/>
+          </p:cNvPicPr>
+          <p:nvPr/>
+        </p:nvPicPr>
+        <p:blipFill>
+          <a:blip r:embed="rId2"/>
+          <a:stretch>
+            <a:fillRect/>
+          </a:stretch>
+        </p:blipFill>
+        <p:spPr>
+          <a:xfrm>
+            <a:off x="145915" y="2058511"/>
+            <a:ext cx="12192000" cy="3772110"/>
+          </a:xfrm>
+          <a:prstGeom prst="rect">
+            <a:avLst/>
+          </a:prstGeom>
+        </p:spPr>
+      </p:pic>
+    </p:spTree>
+    <p:extLst>
+      <p:ext uri="{BB962C8B-B14F-4D97-AF65-F5344CB8AC3E}">
+        <p14:creationId xmlns:p14="http://schemas.microsoft.com/office/powerpoint/2010/main" val="791378294"/>
+      </p:ext>
+    </p:extLst>
+  </p:cSld>
+  <p:clrMapOvr>
+    <a:masterClrMapping/>
+  </p:clrMapOvr>
+</p:sld>
+</file>
+
+<file path=ppt/slides/slide6.xml><?xml version="1.0" encoding="utf-8"?>
+<p:sld xmlns:a="http://schemas.openxmlformats.org/drawingml/2006/main" xmlns:r="http://schemas.openxmlformats.org/officeDocument/2006/relationships" xmlns:p="http://schemas.openxmlformats.org/presentationml/2006/main">
+  <p:cSld>
+    <p:spTree>
+      <p:nvGrpSpPr>
+        <p:cNvPr id="1" name=""/>
+        <p:cNvGrpSpPr/>
+        <p:nvPr/>
+      </p:nvGrpSpPr>
+      <p:grpSpPr>
+        <a:xfrm>
+          <a:off x="0" y="0"/>
+          <a:ext cx="0" cy="0"/>
+          <a:chOff x="0" y="0"/>
+          <a:chExt cx="0" cy="0"/>
+        </a:xfrm>
+      </p:grpSpPr>
+      <p:sp>
+        <p:nvSpPr>
+          <p:cNvPr id="2" name="Title 1">
+            <a:extLst>
+              <a:ext uri="{FF2B5EF4-FFF2-40B4-BE49-F238E27FC236}">
+                <a16:creationId xmlns:a16="http://schemas.microsoft.com/office/drawing/2014/main" id="{51ABC884-3E37-7443-9774-E6DAFDBA27D0}"/>
+              </a:ext>
+            </a:extLst>
+          </p:cNvPr>
+          <p:cNvSpPr>
+            <a:spLocks noGrp="1"/>
+          </p:cNvSpPr>
+          <p:nvPr>
+            <p:ph type="title"/>
+          </p:nvPr>
+        </p:nvSpPr>
+        <p:spPr/>
+        <p:txBody>
+          <a:bodyPr/>
+          <a:lstStyle/>
+          <a:p>
+            <a:r>
+              <a:rPr lang="en-GB" dirty="0"/>
+              <a:t>5. Restart the shell</a:t>
+            </a:r>
+          </a:p>
+        </p:txBody>
+      </p:sp>
+      <p:sp>
+        <p:nvSpPr>
+          <p:cNvPr id="3" name="Content Placeholder 2">
+            <a:extLst>
+              <a:ext uri="{FF2B5EF4-FFF2-40B4-BE49-F238E27FC236}">
+                <a16:creationId xmlns:a16="http://schemas.microsoft.com/office/drawing/2014/main" id="{FBA9F3BE-6108-3B48-8D2A-4E1B18079539}"/>
+              </a:ext>
+            </a:extLst>
+          </p:cNvPr>
+          <p:cNvSpPr>
+            <a:spLocks noGrp="1"/>
+          </p:cNvSpPr>
+          <p:nvPr>
+            <p:ph idx="1"/>
+          </p:nvPr>
+        </p:nvSpPr>
+        <p:spPr>
+          <a:xfrm>
+            <a:off x="838200" y="1348970"/>
+            <a:ext cx="10515600" cy="881063"/>
+          </a:xfrm>
+        </p:spPr>
+        <p:txBody>
+          <a:bodyPr/>
+          <a:lstStyle/>
+          <a:p>
+            <a:pPr marL="0" indent="0">
+              <a:buNone/>
+            </a:pPr>
+            <a:r>
+              <a:rPr lang="en-GB" dirty="0"/>
+              <a:t>Command: </a:t>
+            </a:r>
+            <a:r>
+              <a:rPr lang="en-GB" b="1" dirty="0"/>
+              <a:t>source ~/.</a:t>
+            </a:r>
+            <a:r>
+              <a:rPr lang="en-GB" b="1" dirty="0" err="1"/>
+              <a:t>bashrc</a:t>
+            </a:r>
+            <a:endParaRPr lang="en-GB" b="1" dirty="0"/>
+          </a:p>
+        </p:txBody>
+      </p:sp>
+      <p:sp>
+        <p:nvSpPr>
+          <p:cNvPr id="6" name="Content Placeholder 2">
+            <a:extLst>
+              <a:ext uri="{FF2B5EF4-FFF2-40B4-BE49-F238E27FC236}">
+                <a16:creationId xmlns:a16="http://schemas.microsoft.com/office/drawing/2014/main" id="{629BD06E-A63C-0B47-9B6B-6622B9B8CFC2}"/>
+              </a:ext>
+            </a:extLst>
+          </p:cNvPr>
+          <p:cNvSpPr txBox="1">
+            <a:spLocks/>
+          </p:cNvSpPr>
+          <p:nvPr/>
+        </p:nvSpPr>
+        <p:spPr>
+          <a:xfrm>
+            <a:off x="932234" y="4536788"/>
+            <a:ext cx="10515600" cy="881063"/>
+          </a:xfrm>
+          <a:prstGeom prst="rect">
+            <a:avLst/>
+          </a:prstGeom>
+        </p:spPr>
+        <p:txBody>
+          <a:bodyPr vert="horz" lIns="91440" tIns="45720" rIns="91440" bIns="45720" rtlCol="0">
+            <a:normAutofit/>
+          </a:bodyPr>
+          <a:lstStyle>
+            <a:lvl1pPr marL="228600" indent="-228600" algn="l" defTabSz="914400" rtl="0" eaLnBrk="1" latinLnBrk="0" hangingPunct="1">
+              <a:lnSpc>
+                <a:spcPct val="90000"/>
+              </a:lnSpc>
+              <a:spcBef>
+                <a:spcPts val="1000"/>
+              </a:spcBef>
+              <a:buFont typeface="Arial" panose="020B0604020202020204" pitchFamily="34" charset="0"/>
+              <a:buChar char="•"/>
+              <a:defRPr sz="2800" kern="1200">
+                <a:solidFill>
+                  <a:schemeClr val="tx1"/>
+                </a:solidFill>
+                <a:latin typeface="+mn-lt"/>
+                <a:ea typeface="+mn-ea"/>
+                <a:cs typeface="+mn-cs"/>
+              </a:defRPr>
+            </a:lvl1pPr>
+            <a:lvl2pPr marL="685800" indent="-228600" algn="l" defTabSz="914400" rtl="0" eaLnBrk="1" latinLnBrk="0" hangingPunct="1">
+              <a:lnSpc>
+                <a:spcPct val="90000"/>
+              </a:lnSpc>
+              <a:spcBef>
+                <a:spcPts val="500"/>
+              </a:spcBef>
+              <a:buFont typeface="Arial" panose="020B0604020202020204" pitchFamily="34" charset="0"/>
+              <a:buChar char="•"/>
+              <a:defRPr sz="2400" kern="1200">
+                <a:solidFill>
+                  <a:schemeClr val="tx1"/>
+                </a:solidFill>
+                <a:latin typeface="+mn-lt"/>
+                <a:ea typeface="+mn-ea"/>
+                <a:cs typeface="+mn-cs"/>
+              </a:defRPr>
+            </a:lvl2pPr>
+            <a:lvl3pPr marL="1143000" indent="-228600" algn="l" defTabSz="914400" rtl="0" eaLnBrk="1" latinLnBrk="0" hangingPunct="1">
+              <a:lnSpc>
+                <a:spcPct val="90000"/>
+              </a:lnSpc>
+              <a:spcBef>
+                <a:spcPts val="500"/>
+              </a:spcBef>
+              <a:buFont typeface="Arial" panose="020B0604020202020204" pitchFamily="34" charset="0"/>
+              <a:buChar char="•"/>
+              <a:defRPr sz="2000" kern="1200">
+                <a:solidFill>
+                  <a:schemeClr val="tx1"/>
+                </a:solidFill>
+                <a:latin typeface="+mn-lt"/>
+                <a:ea typeface="+mn-ea"/>
+                <a:cs typeface="+mn-cs"/>
+              </a:defRPr>
+            </a:lvl3pPr>
+            <a:lvl4pPr marL="1600200" indent="-228600" algn="l" defTabSz="914400" rtl="0" eaLnBrk="1" latinLnBrk="0" hangingPunct="1">
+              <a:lnSpc>
+                <a:spcPct val="90000"/>
+              </a:lnSpc>
+              <a:spcBef>
+                <a:spcPts val="500"/>
+              </a:spcBef>
+              <a:buFont typeface="Arial" panose="020B0604020202020204" pitchFamily="34" charset="0"/>
+              <a:buChar char="•"/>
+              <a:defRPr sz="1800" kern="1200">
+                <a:solidFill>
+                  <a:schemeClr val="tx1"/>
+                </a:solidFill>
+                <a:latin typeface="+mn-lt"/>
+                <a:ea typeface="+mn-ea"/>
+                <a:cs typeface="+mn-cs"/>
+              </a:defRPr>
+            </a:lvl4pPr>
+            <a:lvl5pPr marL="2057400" indent="-228600" algn="l" defTabSz="914400" rtl="0" eaLnBrk="1" latinLnBrk="0" hangingPunct="1">
+              <a:lnSpc>
+                <a:spcPct val="90000"/>
+              </a:lnSpc>
+              <a:spcBef>
+                <a:spcPts val="500"/>
+              </a:spcBef>
+              <a:buFont typeface="Arial" panose="020B0604020202020204" pitchFamily="34" charset="0"/>
+              <a:buChar char="•"/>
+              <a:defRPr sz="1800" kern="1200">
+                <a:solidFill>
+                  <a:schemeClr val="tx1"/>
+                </a:solidFill>
+                <a:latin typeface="+mn-lt"/>
+                <a:ea typeface="+mn-ea"/>
+                <a:cs typeface="+mn-cs"/>
+              </a:defRPr>
+            </a:lvl5pPr>
+            <a:lvl6pPr marL="2514600" indent="-228600" algn="l" defTabSz="914400" rtl="0" eaLnBrk="1" latinLnBrk="0" hangingPunct="1">
+              <a:lnSpc>
+                <a:spcPct val="90000"/>
+              </a:lnSpc>
+              <a:spcBef>
+                <a:spcPts val="500"/>
+              </a:spcBef>
+              <a:buFont typeface="Arial" panose="020B0604020202020204" pitchFamily="34" charset="0"/>
+              <a:buChar char="•"/>
+              <a:defRPr sz="1800" kern="1200">
+                <a:solidFill>
+                  <a:schemeClr val="tx1"/>
+                </a:solidFill>
+                <a:latin typeface="+mn-lt"/>
+                <a:ea typeface="+mn-ea"/>
+                <a:cs typeface="+mn-cs"/>
+              </a:defRPr>
+            </a:lvl6pPr>
+            <a:lvl7pPr marL="2971800" indent="-228600" algn="l" defTabSz="914400" rtl="0" eaLnBrk="1" latinLnBrk="0" hangingPunct="1">
+              <a:lnSpc>
+                <a:spcPct val="90000"/>
+              </a:lnSpc>
+              <a:spcBef>
+                <a:spcPts val="500"/>
+              </a:spcBef>
+              <a:buFont typeface="Arial" panose="020B0604020202020204" pitchFamily="34" charset="0"/>
+              <a:buChar char="•"/>
+              <a:defRPr sz="1800" kern="1200">
+                <a:solidFill>
+                  <a:schemeClr val="tx1"/>
+                </a:solidFill>
+                <a:latin typeface="+mn-lt"/>
+                <a:ea typeface="+mn-ea"/>
+                <a:cs typeface="+mn-cs"/>
+              </a:defRPr>
+            </a:lvl7pPr>
+            <a:lvl8pPr marL="3429000" indent="-228600" algn="l" defTabSz="914400" rtl="0" eaLnBrk="1" latinLnBrk="0" hangingPunct="1">
+              <a:lnSpc>
+                <a:spcPct val="90000"/>
+              </a:lnSpc>
+              <a:spcBef>
+                <a:spcPts val="500"/>
+              </a:spcBef>
+              <a:buFont typeface="Arial" panose="020B0604020202020204" pitchFamily="34" charset="0"/>
+              <a:buChar char="•"/>
+              <a:defRPr sz="1800" kern="1200">
+                <a:solidFill>
+                  <a:schemeClr val="tx1"/>
+                </a:solidFill>
+                <a:latin typeface="+mn-lt"/>
+                <a:ea typeface="+mn-ea"/>
+                <a:cs typeface="+mn-cs"/>
+              </a:defRPr>
+            </a:lvl8pPr>
+            <a:lvl9pPr marL="3886200" indent="-228600" algn="l" defTabSz="914400" rtl="0" eaLnBrk="1" latinLnBrk="0" hangingPunct="1">
+              <a:lnSpc>
+                <a:spcPct val="90000"/>
+              </a:lnSpc>
+              <a:spcBef>
+                <a:spcPts val="500"/>
+              </a:spcBef>
+              <a:buFont typeface="Arial" panose="020B0604020202020204" pitchFamily="34" charset="0"/>
+              <a:buChar char="•"/>
+              <a:defRPr sz="1800" kern="1200">
+                <a:solidFill>
+                  <a:schemeClr val="tx1"/>
+                </a:solidFill>
+                <a:latin typeface="+mn-lt"/>
+                <a:ea typeface="+mn-ea"/>
+                <a:cs typeface="+mn-cs"/>
+              </a:defRPr>
+            </a:lvl9pPr>
+          </a:lstStyle>
+          <a:p>
+            <a:pPr marL="0" indent="0">
+              <a:buFont typeface="Arial" panose="020B0604020202020204" pitchFamily="34" charset="0"/>
+              <a:buNone/>
+            </a:pPr>
+            <a:r>
+              <a:rPr lang="en-GB" dirty="0">
+                <a:highlight>
+                  <a:srgbClr val="FFFF00"/>
+                </a:highlight>
+              </a:rPr>
               <a:t>You should see (base) in your shell now</a:t>
             </a:r>
           </a:p>
@@ -5313,15 +5938,15 @@
           <p:cNvPr id="2" name="Title 1">
             <a:extLst>
               <a:ext uri="{FF2B5EF4-FFF2-40B4-BE49-F238E27FC236}">
-                <a16:creationId xmlns:a16="http://schemas.microsoft.com/office/drawing/2014/main" id="{2AC20357-0A69-FB4E-B590-ECDE99B2107B}"/>
-              </a:ext>
-            </a:extLst>
-          </p:cNvPr>
-          <p:cNvSpPr>
-            <a:spLocks noGrp="1"/>
-          </p:cNvSpPr>
-          <p:nvPr>
-            <p:ph type="ctrTitle"/>
+                <a16:creationId xmlns:a16="http://schemas.microsoft.com/office/drawing/2014/main" id="{51ABC884-3E37-7443-9774-E6DAFDBA27D0}"/>
+              </a:ext>
+            </a:extLst>
+          </p:cNvPr>
+          <p:cNvSpPr>
+            <a:spLocks noGrp="1"/>
+          </p:cNvSpPr>
+          <p:nvPr>
+            <p:ph type="title"/>
           </p:nvPr>
         </p:nvSpPr>
         <p:spPr/>
@@ -5331,101 +5956,7 @@
           <a:p>
             <a:r>
               <a:rPr lang="en-GB" dirty="0"/>
-              <a:t>Entering Microbiome Environment</a:t>
-            </a:r>
-          </a:p>
-        </p:txBody>
-      </p:sp>
-      <p:sp>
-        <p:nvSpPr>
-          <p:cNvPr id="3" name="Subtitle 2">
-            <a:extLst>
-              <a:ext uri="{FF2B5EF4-FFF2-40B4-BE49-F238E27FC236}">
-                <a16:creationId xmlns:a16="http://schemas.microsoft.com/office/drawing/2014/main" id="{8DF01F81-5B93-6C46-859E-11B98F7EDC2C}"/>
-              </a:ext>
-            </a:extLst>
-          </p:cNvPr>
-          <p:cNvSpPr>
-            <a:spLocks noGrp="1"/>
-          </p:cNvSpPr>
-          <p:nvPr>
-            <p:ph type="subTitle" idx="1"/>
-          </p:nvPr>
-        </p:nvSpPr>
-        <p:spPr/>
-        <p:txBody>
-          <a:bodyPr/>
-          <a:lstStyle/>
-          <a:p>
-            <a:r>
-              <a:rPr lang="en-GB" dirty="0"/>
-              <a:t>Do this </a:t>
-            </a:r>
-            <a:r>
-              <a:rPr lang="en-GB" dirty="0" err="1"/>
-              <a:t>everytime</a:t>
-            </a:r>
-            <a:r>
-              <a:rPr lang="en-GB" dirty="0"/>
-              <a:t> you login to Rosalind and want to do microbiome analysis </a:t>
-            </a:r>
-          </a:p>
-        </p:txBody>
-      </p:sp>
-    </p:spTree>
-    <p:extLst>
-      <p:ext uri="{BB962C8B-B14F-4D97-AF65-F5344CB8AC3E}">
-        <p14:creationId xmlns:p14="http://schemas.microsoft.com/office/powerpoint/2010/main" val="3700435794"/>
-      </p:ext>
-    </p:extLst>
-  </p:cSld>
-  <p:clrMapOvr>
-    <a:masterClrMapping/>
-  </p:clrMapOvr>
-</p:sld>
-</file>
-
-<file path=ppt/slides/slide9.xml><?xml version="1.0" encoding="utf-8"?>
-<p:sld xmlns:a="http://schemas.openxmlformats.org/drawingml/2006/main" xmlns:r="http://schemas.openxmlformats.org/officeDocument/2006/relationships" xmlns:p="http://schemas.openxmlformats.org/presentationml/2006/main">
-  <p:cSld>
-    <p:spTree>
-      <p:nvGrpSpPr>
-        <p:cNvPr id="1" name=""/>
-        <p:cNvGrpSpPr/>
-        <p:nvPr/>
-      </p:nvGrpSpPr>
-      <p:grpSpPr>
-        <a:xfrm>
-          <a:off x="0" y="0"/>
-          <a:ext cx="0" cy="0"/>
-          <a:chOff x="0" y="0"/>
-          <a:chExt cx="0" cy="0"/>
-        </a:xfrm>
-      </p:grpSpPr>
-      <p:sp>
-        <p:nvSpPr>
-          <p:cNvPr id="2" name="Title 1">
-            <a:extLst>
-              <a:ext uri="{FF2B5EF4-FFF2-40B4-BE49-F238E27FC236}">
-                <a16:creationId xmlns:a16="http://schemas.microsoft.com/office/drawing/2014/main" id="{51ABC884-3E37-7443-9774-E6DAFDBA27D0}"/>
-              </a:ext>
-            </a:extLst>
-          </p:cNvPr>
-          <p:cNvSpPr>
-            <a:spLocks noGrp="1"/>
-          </p:cNvSpPr>
-          <p:nvPr>
-            <p:ph type="title"/>
-          </p:nvPr>
-        </p:nvSpPr>
-        <p:spPr/>
-        <p:txBody>
-          <a:bodyPr/>
-          <a:lstStyle/>
-          <a:p>
-            <a:r>
-              <a:rPr lang="en-GB" dirty="0"/>
-              <a:t>Load </a:t>
+              <a:t>7. Load </a:t>
             </a:r>
             <a:r>
               <a:rPr lang="en-GB" dirty="0" err="1"/>
@@ -5768,7 +6299,392 @@
     </p:spTree>
     <p:extLst>
       <p:ext uri="{BB962C8B-B14F-4D97-AF65-F5344CB8AC3E}">
-        <p14:creationId xmlns:p14="http://schemas.microsoft.com/office/powerpoint/2010/main" val="152955310"/>
+        <p14:creationId xmlns:p14="http://schemas.microsoft.com/office/powerpoint/2010/main" val="3139981499"/>
+      </p:ext>
+    </p:extLst>
+  </p:cSld>
+  <p:clrMapOvr>
+    <a:masterClrMapping/>
+  </p:clrMapOvr>
+</p:sld>
+</file>
+
+<file path=ppt/slides/slide9.xml><?xml version="1.0" encoding="utf-8"?>
+<p:sld xmlns:a="http://schemas.openxmlformats.org/drawingml/2006/main" xmlns:r="http://schemas.openxmlformats.org/officeDocument/2006/relationships" xmlns:p="http://schemas.openxmlformats.org/presentationml/2006/main">
+  <p:cSld>
+    <p:spTree>
+      <p:nvGrpSpPr>
+        <p:cNvPr id="1" name=""/>
+        <p:cNvGrpSpPr/>
+        <p:nvPr/>
+      </p:nvGrpSpPr>
+      <p:grpSpPr>
+        <a:xfrm>
+          <a:off x="0" y="0"/>
+          <a:ext cx="0" cy="0"/>
+          <a:chOff x="0" y="0"/>
+          <a:chExt cx="0" cy="0"/>
+        </a:xfrm>
+      </p:grpSpPr>
+      <p:sp>
+        <p:nvSpPr>
+          <p:cNvPr id="2" name="Title 1">
+            <a:extLst>
+              <a:ext uri="{FF2B5EF4-FFF2-40B4-BE49-F238E27FC236}">
+                <a16:creationId xmlns:a16="http://schemas.microsoft.com/office/drawing/2014/main" id="{51ABC884-3E37-7443-9774-E6DAFDBA27D0}"/>
+              </a:ext>
+            </a:extLst>
+          </p:cNvPr>
+          <p:cNvSpPr>
+            <a:spLocks noGrp="1"/>
+          </p:cNvSpPr>
+          <p:nvPr>
+            <p:ph type="title"/>
+          </p:nvPr>
+        </p:nvSpPr>
+        <p:spPr/>
+        <p:txBody>
+          <a:bodyPr/>
+          <a:lstStyle/>
+          <a:p>
+            <a:r>
+              <a:rPr lang="en-GB" dirty="0"/>
+              <a:t>7. Copy the database to your own folder</a:t>
+            </a:r>
+          </a:p>
+        </p:txBody>
+      </p:sp>
+      <p:sp>
+        <p:nvSpPr>
+          <p:cNvPr id="3" name="Content Placeholder 2">
+            <a:extLst>
+              <a:ext uri="{FF2B5EF4-FFF2-40B4-BE49-F238E27FC236}">
+                <a16:creationId xmlns:a16="http://schemas.microsoft.com/office/drawing/2014/main" id="{FBA9F3BE-6108-3B48-8D2A-4E1B18079539}"/>
+              </a:ext>
+            </a:extLst>
+          </p:cNvPr>
+          <p:cNvSpPr>
+            <a:spLocks noGrp="1"/>
+          </p:cNvSpPr>
+          <p:nvPr>
+            <p:ph idx="1"/>
+          </p:nvPr>
+        </p:nvSpPr>
+        <p:spPr>
+          <a:xfrm>
+            <a:off x="838200" y="1348970"/>
+            <a:ext cx="10515600" cy="4351338"/>
+          </a:xfrm>
+        </p:spPr>
+        <p:txBody>
+          <a:bodyPr/>
+          <a:lstStyle/>
+          <a:p>
+            <a:pPr marL="0" indent="0">
+              <a:buNone/>
+            </a:pPr>
+            <a:r>
+              <a:rPr lang="en-GB" dirty="0"/>
+              <a:t>Command: </a:t>
+            </a:r>
+            <a:r>
+              <a:rPr lang="en-GB" b="1" dirty="0" err="1"/>
+              <a:t>conda</a:t>
+            </a:r>
+            <a:r>
+              <a:rPr lang="en-GB" b="1" dirty="0"/>
+              <a:t> activate microbiome</a:t>
+            </a:r>
+          </a:p>
+        </p:txBody>
+      </p:sp>
+      <p:pic>
+        <p:nvPicPr>
+          <p:cNvPr id="5" name="Picture 4">
+            <a:extLst>
+              <a:ext uri="{FF2B5EF4-FFF2-40B4-BE49-F238E27FC236}">
+                <a16:creationId xmlns:a16="http://schemas.microsoft.com/office/drawing/2014/main" id="{53D64D5C-8E11-684E-809D-6566455283B8}"/>
+              </a:ext>
+            </a:extLst>
+          </p:cNvPr>
+          <p:cNvPicPr>
+            <a:picLocks noChangeAspect="1"/>
+          </p:cNvPicPr>
+          <p:nvPr/>
+        </p:nvPicPr>
+        <p:blipFill>
+          <a:blip r:embed="rId2"/>
+          <a:stretch>
+            <a:fillRect/>
+          </a:stretch>
+        </p:blipFill>
+        <p:spPr>
+          <a:xfrm>
+            <a:off x="742004" y="2501900"/>
+            <a:ext cx="10007600" cy="927100"/>
+          </a:xfrm>
+          <a:prstGeom prst="rect">
+            <a:avLst/>
+          </a:prstGeom>
+        </p:spPr>
+      </p:pic>
+      <p:sp>
+        <p:nvSpPr>
+          <p:cNvPr id="6" name="Content Placeholder 2">
+            <a:extLst>
+              <a:ext uri="{FF2B5EF4-FFF2-40B4-BE49-F238E27FC236}">
+                <a16:creationId xmlns:a16="http://schemas.microsoft.com/office/drawing/2014/main" id="{CB1B7D1A-47E8-CB41-9F0B-4CDA4C98772D}"/>
+              </a:ext>
+            </a:extLst>
+          </p:cNvPr>
+          <p:cNvSpPr txBox="1">
+            <a:spLocks/>
+          </p:cNvSpPr>
+          <p:nvPr/>
+        </p:nvSpPr>
+        <p:spPr>
+          <a:xfrm>
+            <a:off x="234004" y="4945706"/>
+            <a:ext cx="10515600" cy="881063"/>
+          </a:xfrm>
+          <a:prstGeom prst="rect">
+            <a:avLst/>
+          </a:prstGeom>
+        </p:spPr>
+        <p:txBody>
+          <a:bodyPr vert="horz" lIns="91440" tIns="45720" rIns="91440" bIns="45720" rtlCol="0">
+            <a:normAutofit/>
+          </a:bodyPr>
+          <a:lstStyle>
+            <a:lvl1pPr marL="228600" indent="-228600" algn="l" defTabSz="914400" rtl="0" eaLnBrk="1" latinLnBrk="0" hangingPunct="1">
+              <a:lnSpc>
+                <a:spcPct val="90000"/>
+              </a:lnSpc>
+              <a:spcBef>
+                <a:spcPts val="1000"/>
+              </a:spcBef>
+              <a:buFont typeface="Arial" panose="020B0604020202020204" pitchFamily="34" charset="0"/>
+              <a:buChar char="•"/>
+              <a:defRPr sz="2800" kern="1200">
+                <a:solidFill>
+                  <a:schemeClr val="tx1"/>
+                </a:solidFill>
+                <a:latin typeface="+mn-lt"/>
+                <a:ea typeface="+mn-ea"/>
+                <a:cs typeface="+mn-cs"/>
+              </a:defRPr>
+            </a:lvl1pPr>
+            <a:lvl2pPr marL="685800" indent="-228600" algn="l" defTabSz="914400" rtl="0" eaLnBrk="1" latinLnBrk="0" hangingPunct="1">
+              <a:lnSpc>
+                <a:spcPct val="90000"/>
+              </a:lnSpc>
+              <a:spcBef>
+                <a:spcPts val="500"/>
+              </a:spcBef>
+              <a:buFont typeface="Arial" panose="020B0604020202020204" pitchFamily="34" charset="0"/>
+              <a:buChar char="•"/>
+              <a:defRPr sz="2400" kern="1200">
+                <a:solidFill>
+                  <a:schemeClr val="tx1"/>
+                </a:solidFill>
+                <a:latin typeface="+mn-lt"/>
+                <a:ea typeface="+mn-ea"/>
+                <a:cs typeface="+mn-cs"/>
+              </a:defRPr>
+            </a:lvl2pPr>
+            <a:lvl3pPr marL="1143000" indent="-228600" algn="l" defTabSz="914400" rtl="0" eaLnBrk="1" latinLnBrk="0" hangingPunct="1">
+              <a:lnSpc>
+                <a:spcPct val="90000"/>
+              </a:lnSpc>
+              <a:spcBef>
+                <a:spcPts val="500"/>
+              </a:spcBef>
+              <a:buFont typeface="Arial" panose="020B0604020202020204" pitchFamily="34" charset="0"/>
+              <a:buChar char="•"/>
+              <a:defRPr sz="2000" kern="1200">
+                <a:solidFill>
+                  <a:schemeClr val="tx1"/>
+                </a:solidFill>
+                <a:latin typeface="+mn-lt"/>
+                <a:ea typeface="+mn-ea"/>
+                <a:cs typeface="+mn-cs"/>
+              </a:defRPr>
+            </a:lvl3pPr>
+            <a:lvl4pPr marL="1600200" indent="-228600" algn="l" defTabSz="914400" rtl="0" eaLnBrk="1" latinLnBrk="0" hangingPunct="1">
+              <a:lnSpc>
+                <a:spcPct val="90000"/>
+              </a:lnSpc>
+              <a:spcBef>
+                <a:spcPts val="500"/>
+              </a:spcBef>
+              <a:buFont typeface="Arial" panose="020B0604020202020204" pitchFamily="34" charset="0"/>
+              <a:buChar char="•"/>
+              <a:defRPr sz="1800" kern="1200">
+                <a:solidFill>
+                  <a:schemeClr val="tx1"/>
+                </a:solidFill>
+                <a:latin typeface="+mn-lt"/>
+                <a:ea typeface="+mn-ea"/>
+                <a:cs typeface="+mn-cs"/>
+              </a:defRPr>
+            </a:lvl4pPr>
+            <a:lvl5pPr marL="2057400" indent="-228600" algn="l" defTabSz="914400" rtl="0" eaLnBrk="1" latinLnBrk="0" hangingPunct="1">
+              <a:lnSpc>
+                <a:spcPct val="90000"/>
+              </a:lnSpc>
+              <a:spcBef>
+                <a:spcPts val="500"/>
+              </a:spcBef>
+              <a:buFont typeface="Arial" panose="020B0604020202020204" pitchFamily="34" charset="0"/>
+              <a:buChar char="•"/>
+              <a:defRPr sz="1800" kern="1200">
+                <a:solidFill>
+                  <a:schemeClr val="tx1"/>
+                </a:solidFill>
+                <a:latin typeface="+mn-lt"/>
+                <a:ea typeface="+mn-ea"/>
+                <a:cs typeface="+mn-cs"/>
+              </a:defRPr>
+            </a:lvl5pPr>
+            <a:lvl6pPr marL="2514600" indent="-228600" algn="l" defTabSz="914400" rtl="0" eaLnBrk="1" latinLnBrk="0" hangingPunct="1">
+              <a:lnSpc>
+                <a:spcPct val="90000"/>
+              </a:lnSpc>
+              <a:spcBef>
+                <a:spcPts val="500"/>
+              </a:spcBef>
+              <a:buFont typeface="Arial" panose="020B0604020202020204" pitchFamily="34" charset="0"/>
+              <a:buChar char="•"/>
+              <a:defRPr sz="1800" kern="1200">
+                <a:solidFill>
+                  <a:schemeClr val="tx1"/>
+                </a:solidFill>
+                <a:latin typeface="+mn-lt"/>
+                <a:ea typeface="+mn-ea"/>
+                <a:cs typeface="+mn-cs"/>
+              </a:defRPr>
+            </a:lvl6pPr>
+            <a:lvl7pPr marL="2971800" indent="-228600" algn="l" defTabSz="914400" rtl="0" eaLnBrk="1" latinLnBrk="0" hangingPunct="1">
+              <a:lnSpc>
+                <a:spcPct val="90000"/>
+              </a:lnSpc>
+              <a:spcBef>
+                <a:spcPts val="500"/>
+              </a:spcBef>
+              <a:buFont typeface="Arial" panose="020B0604020202020204" pitchFamily="34" charset="0"/>
+              <a:buChar char="•"/>
+              <a:defRPr sz="1800" kern="1200">
+                <a:solidFill>
+                  <a:schemeClr val="tx1"/>
+                </a:solidFill>
+                <a:latin typeface="+mn-lt"/>
+                <a:ea typeface="+mn-ea"/>
+                <a:cs typeface="+mn-cs"/>
+              </a:defRPr>
+            </a:lvl7pPr>
+            <a:lvl8pPr marL="3429000" indent="-228600" algn="l" defTabSz="914400" rtl="0" eaLnBrk="1" latinLnBrk="0" hangingPunct="1">
+              <a:lnSpc>
+                <a:spcPct val="90000"/>
+              </a:lnSpc>
+              <a:spcBef>
+                <a:spcPts val="500"/>
+              </a:spcBef>
+              <a:buFont typeface="Arial" panose="020B0604020202020204" pitchFamily="34" charset="0"/>
+              <a:buChar char="•"/>
+              <a:defRPr sz="1800" kern="1200">
+                <a:solidFill>
+                  <a:schemeClr val="tx1"/>
+                </a:solidFill>
+                <a:latin typeface="+mn-lt"/>
+                <a:ea typeface="+mn-ea"/>
+                <a:cs typeface="+mn-cs"/>
+              </a:defRPr>
+            </a:lvl8pPr>
+            <a:lvl9pPr marL="3886200" indent="-228600" algn="l" defTabSz="914400" rtl="0" eaLnBrk="1" latinLnBrk="0" hangingPunct="1">
+              <a:lnSpc>
+                <a:spcPct val="90000"/>
+              </a:lnSpc>
+              <a:spcBef>
+                <a:spcPts val="500"/>
+              </a:spcBef>
+              <a:buFont typeface="Arial" panose="020B0604020202020204" pitchFamily="34" charset="0"/>
+              <a:buChar char="•"/>
+              <a:defRPr sz="1800" kern="1200">
+                <a:solidFill>
+                  <a:schemeClr val="tx1"/>
+                </a:solidFill>
+                <a:latin typeface="+mn-lt"/>
+                <a:ea typeface="+mn-ea"/>
+                <a:cs typeface="+mn-cs"/>
+              </a:defRPr>
+            </a:lvl9pPr>
+          </a:lstStyle>
+          <a:p>
+            <a:pPr marL="0" indent="0">
+              <a:buFont typeface="Arial" panose="020B0604020202020204" pitchFamily="34" charset="0"/>
+              <a:buNone/>
+            </a:pPr>
+            <a:r>
+              <a:rPr lang="en-GB" dirty="0">
+                <a:highlight>
+                  <a:srgbClr val="FFFF00"/>
+                </a:highlight>
+              </a:rPr>
+              <a:t>You should see (microbiome) in your shell now</a:t>
+            </a:r>
+          </a:p>
+        </p:txBody>
+      </p:sp>
+      <p:sp>
+        <p:nvSpPr>
+          <p:cNvPr id="7" name="Down Arrow 6">
+            <a:extLst>
+              <a:ext uri="{FF2B5EF4-FFF2-40B4-BE49-F238E27FC236}">
+                <a16:creationId xmlns:a16="http://schemas.microsoft.com/office/drawing/2014/main" id="{9B11E610-7FE1-124E-94CB-CB81DBEE17EC}"/>
+              </a:ext>
+            </a:extLst>
+          </p:cNvPr>
+          <p:cNvSpPr/>
+          <p:nvPr/>
+        </p:nvSpPr>
+        <p:spPr>
+          <a:xfrm flipV="1">
+            <a:off x="1206231" y="3187938"/>
+            <a:ext cx="690664" cy="1653703"/>
+          </a:xfrm>
+          <a:prstGeom prst="downArrow">
+            <a:avLst/>
+          </a:prstGeom>
+        </p:spPr>
+        <p:style>
+          <a:lnRef idx="2">
+            <a:schemeClr val="accent1">
+              <a:shade val="50000"/>
+            </a:schemeClr>
+          </a:lnRef>
+          <a:fillRef idx="1">
+            <a:schemeClr val="accent1"/>
+          </a:fillRef>
+          <a:effectRef idx="0">
+            <a:schemeClr val="accent1"/>
+          </a:effectRef>
+          <a:fontRef idx="minor">
+            <a:schemeClr val="lt1"/>
+          </a:fontRef>
+        </p:style>
+        <p:txBody>
+          <a:bodyPr rtlCol="0" anchor="ctr"/>
+          <a:lstStyle/>
+          <a:p>
+            <a:pPr algn="ctr"/>
+            <a:endParaRPr lang="en-GB"/>
+          </a:p>
+        </p:txBody>
+      </p:sp>
+    </p:spTree>
+    <p:extLst>
+      <p:ext uri="{BB962C8B-B14F-4D97-AF65-F5344CB8AC3E}">
+        <p14:creationId xmlns:p14="http://schemas.microsoft.com/office/powerpoint/2010/main" val="2504302016"/>
       </p:ext>
     </p:extLst>
   </p:cSld>

--- a/MicrobiomeWS/Microbiome_Install.pptx
+++ b/MicrobiomeWS/Microbiome_Install.pptx
@@ -6387,13 +6387,38 @@
               <a:rPr lang="en-GB" dirty="0"/>
               <a:t>Command: </a:t>
             </a:r>
+          </a:p>
+          <a:p>
+            <a:pPr marL="0" indent="0">
+              <a:buNone/>
+            </a:pPr>
+            <a:r>
+              <a:rPr lang="en-GB" b="1" dirty="0"/>
+              <a:t>cp -r /</a:t>
+            </a:r>
             <a:r>
               <a:rPr lang="en-GB" b="1" dirty="0" err="1"/>
-              <a:t>conda</a:t>
+              <a:t>mnt</a:t>
             </a:r>
             <a:r>
               <a:rPr lang="en-GB" b="1" dirty="0"/>
-              <a:t> activate microbiome</a:t>
+              <a:t>/lustre/datasets/</a:t>
+            </a:r>
+            <a:r>
+              <a:rPr lang="en-GB" b="1" dirty="0" err="1"/>
+              <a:t>mhdmsc</a:t>
+            </a:r>
+            <a:r>
+              <a:rPr lang="en-GB" b="1" dirty="0"/>
+              <a:t>/ </a:t>
+            </a:r>
+            <a:r>
+              <a:rPr lang="en-GB" b="1" dirty="0" err="1"/>
+              <a:t>metaphlan_databases</a:t>
+            </a:r>
+            <a:r>
+              <a:rPr lang="en-GB" b="1" dirty="0"/>
+              <a:t> ~/</a:t>
             </a:r>
           </a:p>
         </p:txBody>
